--- a/Lec01.pptx
+++ b/Lec01.pptx
@@ -19,10 +19,11 @@
     <p:sldId id="265" r:id="rId13"/>
     <p:sldId id="266" r:id="rId14"/>
     <p:sldId id="267" r:id="rId15"/>
-    <p:sldId id="268" r:id="rId16"/>
-    <p:sldId id="276" r:id="rId17"/>
-    <p:sldId id="277" r:id="rId18"/>
-    <p:sldId id="278" r:id="rId19"/>
+    <p:sldId id="280" r:id="rId16"/>
+    <p:sldId id="268" r:id="rId17"/>
+    <p:sldId id="276" r:id="rId18"/>
+    <p:sldId id="277" r:id="rId19"/>
+    <p:sldId id="278" r:id="rId20"/>
   </p:sldIdLst>
   <p:sldSz cx="12192000" cy="6858000"/>
   <p:notesSz cx="6858000" cy="9144000"/>
@@ -148,6 +149,7 @@
             <p14:sldId id="265"/>
             <p14:sldId id="266"/>
             <p14:sldId id="267"/>
+            <p14:sldId id="280"/>
             <p14:sldId id="268"/>
             <p14:sldId id="276"/>
             <p14:sldId id="277"/>
@@ -166,559 +168,9 @@
 <file path=ppt/revisionInfo.xml><?xml version="1.0" encoding="utf-8"?>
 <p1510:revInfo xmlns:a="http://schemas.openxmlformats.org/drawingml/2006/main" xmlns:r="http://schemas.openxmlformats.org/officeDocument/2006/relationships" xmlns:p1510="http://schemas.microsoft.com/office/powerpoint/2015/10/main">
   <p1510:revLst>
-    <p1510:client id="{73407817-8342-4EE0-96C9-53B21860C399}" v="3" dt="2023-01-23T12:44:04.341"/>
+    <p1510:client id="{0CE9AD51-4DA7-4D57-80C5-E264FA30EE30}" v="149" dt="2024-01-22T20:43:31.647"/>
   </p1510:revLst>
 </p1510:revInfo>
-</file>
-
-<file path=ppt/changesInfos/changesInfo1.xml><?xml version="1.0" encoding="utf-8"?>
-<pc:chgInfo xmlns:a="http://schemas.openxmlformats.org/drawingml/2006/main" xmlns:r="http://schemas.openxmlformats.org/officeDocument/2006/relationships" xmlns:ac="http://schemas.microsoft.com/office/drawing/2013/main/command" xmlns:pc="http://schemas.microsoft.com/office/powerpoint/2013/main/command">
-  <pc:docChgLst>
-    <pc:chgData name="Smay, Jim" userId="96794e02-3103-4b78-8546-50f41b7794d0" providerId="ADAL" clId="{1AC1F8AF-A8F4-431E-8F10-38AD5E11E63B}"/>
-    <pc:docChg chg="undo custSel addSld delSld modSld sldOrd delSection modSection modShowInfo">
-      <pc:chgData name="Smay, Jim" userId="96794e02-3103-4b78-8546-50f41b7794d0" providerId="ADAL" clId="{1AC1F8AF-A8F4-431E-8F10-38AD5E11E63B}" dt="2022-01-10T21:51:01.770" v="2839"/>
-      <pc:docMkLst>
-        <pc:docMk/>
-      </pc:docMkLst>
-      <pc:sldChg chg="modSp mod">
-        <pc:chgData name="Smay, Jim" userId="96794e02-3103-4b78-8546-50f41b7794d0" providerId="ADAL" clId="{1AC1F8AF-A8F4-431E-8F10-38AD5E11E63B}" dt="2022-01-10T21:06:44.518" v="2300" actId="27636"/>
-        <pc:sldMkLst>
-          <pc:docMk/>
-          <pc:sldMk cId="123517142" sldId="258"/>
-        </pc:sldMkLst>
-        <pc:spChg chg="mod">
-          <ac:chgData name="Smay, Jim" userId="96794e02-3103-4b78-8546-50f41b7794d0" providerId="ADAL" clId="{1AC1F8AF-A8F4-431E-8F10-38AD5E11E63B}" dt="2022-01-10T20:33:06.850" v="2189" actId="1076"/>
-          <ac:spMkLst>
-            <pc:docMk/>
-            <pc:sldMk cId="123517142" sldId="258"/>
-            <ac:spMk id="2" creationId="{00000000-0000-0000-0000-000000000000}"/>
-          </ac:spMkLst>
-        </pc:spChg>
-        <pc:spChg chg="mod">
-          <ac:chgData name="Smay, Jim" userId="96794e02-3103-4b78-8546-50f41b7794d0" providerId="ADAL" clId="{1AC1F8AF-A8F4-431E-8F10-38AD5E11E63B}" dt="2022-01-10T21:06:44.518" v="2300" actId="27636"/>
-          <ac:spMkLst>
-            <pc:docMk/>
-            <pc:sldMk cId="123517142" sldId="258"/>
-            <ac:spMk id="3" creationId="{00000000-0000-0000-0000-000000000000}"/>
-          </ac:spMkLst>
-        </pc:spChg>
-      </pc:sldChg>
-      <pc:sldChg chg="modSp mod">
-        <pc:chgData name="Smay, Jim" userId="96794e02-3103-4b78-8546-50f41b7794d0" providerId="ADAL" clId="{1AC1F8AF-A8F4-431E-8F10-38AD5E11E63B}" dt="2022-01-10T20:33:28.653" v="2192" actId="1076"/>
-        <pc:sldMkLst>
-          <pc:docMk/>
-          <pc:sldMk cId="952842061" sldId="259"/>
-        </pc:sldMkLst>
-        <pc:spChg chg="mod">
-          <ac:chgData name="Smay, Jim" userId="96794e02-3103-4b78-8546-50f41b7794d0" providerId="ADAL" clId="{1AC1F8AF-A8F4-431E-8F10-38AD5E11E63B}" dt="2022-01-10T20:33:28.653" v="2192" actId="1076"/>
-          <ac:spMkLst>
-            <pc:docMk/>
-            <pc:sldMk cId="952842061" sldId="259"/>
-            <ac:spMk id="2" creationId="{00000000-0000-0000-0000-000000000000}"/>
-          </ac:spMkLst>
-        </pc:spChg>
-        <pc:spChg chg="mod">
-          <ac:chgData name="Smay, Jim" userId="96794e02-3103-4b78-8546-50f41b7794d0" providerId="ADAL" clId="{1AC1F8AF-A8F4-431E-8F10-38AD5E11E63B}" dt="2022-01-10T20:33:24.603" v="2191" actId="14100"/>
-          <ac:spMkLst>
-            <pc:docMk/>
-            <pc:sldMk cId="952842061" sldId="259"/>
-            <ac:spMk id="3" creationId="{00000000-0000-0000-0000-000000000000}"/>
-          </ac:spMkLst>
-        </pc:spChg>
-      </pc:sldChg>
-      <pc:sldChg chg="addSp delSp modSp mod modAnim">
-        <pc:chgData name="Smay, Jim" userId="96794e02-3103-4b78-8546-50f41b7794d0" providerId="ADAL" clId="{1AC1F8AF-A8F4-431E-8F10-38AD5E11E63B}" dt="2022-01-10T21:04:23.878" v="2295"/>
-        <pc:sldMkLst>
-          <pc:docMk/>
-          <pc:sldMk cId="1264874541" sldId="262"/>
-        </pc:sldMkLst>
-        <pc:spChg chg="mod">
-          <ac:chgData name="Smay, Jim" userId="96794e02-3103-4b78-8546-50f41b7794d0" providerId="ADAL" clId="{1AC1F8AF-A8F4-431E-8F10-38AD5E11E63B}" dt="2022-01-10T20:56:04.385" v="2290" actId="1076"/>
-          <ac:spMkLst>
-            <pc:docMk/>
-            <pc:sldMk cId="1264874541" sldId="262"/>
-            <ac:spMk id="2" creationId="{00000000-0000-0000-0000-000000000000}"/>
-          </ac:spMkLst>
-        </pc:spChg>
-        <pc:spChg chg="mod">
-          <ac:chgData name="Smay, Jim" userId="96794e02-3103-4b78-8546-50f41b7794d0" providerId="ADAL" clId="{1AC1F8AF-A8F4-431E-8F10-38AD5E11E63B}" dt="2022-01-10T20:56:11.170" v="2292" actId="14100"/>
-          <ac:spMkLst>
-            <pc:docMk/>
-            <pc:sldMk cId="1264874541" sldId="262"/>
-            <ac:spMk id="3" creationId="{00000000-0000-0000-0000-000000000000}"/>
-          </ac:spMkLst>
-        </pc:spChg>
-        <pc:spChg chg="add del">
-          <ac:chgData name="Smay, Jim" userId="96794e02-3103-4b78-8546-50f41b7794d0" providerId="ADAL" clId="{1AC1F8AF-A8F4-431E-8F10-38AD5E11E63B}" dt="2022-01-10T21:00:52.539" v="2294" actId="478"/>
-          <ac:spMkLst>
-            <pc:docMk/>
-            <pc:sldMk cId="1264874541" sldId="262"/>
-            <ac:spMk id="5" creationId="{C312FABF-6BE8-425C-9531-4C7A83B485CD}"/>
-          </ac:spMkLst>
-        </pc:spChg>
-      </pc:sldChg>
-      <pc:sldChg chg="addSp modSp mod modAnim">
-        <pc:chgData name="Smay, Jim" userId="96794e02-3103-4b78-8546-50f41b7794d0" providerId="ADAL" clId="{1AC1F8AF-A8F4-431E-8F10-38AD5E11E63B}" dt="2022-01-10T21:51:01.770" v="2839"/>
-        <pc:sldMkLst>
-          <pc:docMk/>
-          <pc:sldMk cId="882819424" sldId="264"/>
-        </pc:sldMkLst>
-        <pc:spChg chg="mod">
-          <ac:chgData name="Smay, Jim" userId="96794e02-3103-4b78-8546-50f41b7794d0" providerId="ADAL" clId="{1AC1F8AF-A8F4-431E-8F10-38AD5E11E63B}" dt="2022-01-10T16:20:27.372" v="849" actId="400"/>
-          <ac:spMkLst>
-            <pc:docMk/>
-            <pc:sldMk cId="882819424" sldId="264"/>
-            <ac:spMk id="3" creationId="{00000000-0000-0000-0000-000000000000}"/>
-          </ac:spMkLst>
-        </pc:spChg>
-        <pc:spChg chg="add mod">
-          <ac:chgData name="Smay, Jim" userId="96794e02-3103-4b78-8546-50f41b7794d0" providerId="ADAL" clId="{1AC1F8AF-A8F4-431E-8F10-38AD5E11E63B}" dt="2022-01-10T16:24:44.372" v="893" actId="207"/>
-          <ac:spMkLst>
-            <pc:docMk/>
-            <pc:sldMk cId="882819424" sldId="264"/>
-            <ac:spMk id="5" creationId="{BFBF0931-9990-4ACD-8B2F-18CADB088756}"/>
-          </ac:spMkLst>
-        </pc:spChg>
-        <pc:spChg chg="add mod">
-          <ac:chgData name="Smay, Jim" userId="96794e02-3103-4b78-8546-50f41b7794d0" providerId="ADAL" clId="{1AC1F8AF-A8F4-431E-8F10-38AD5E11E63B}" dt="2022-01-10T21:47:49.685" v="2686" actId="1076"/>
-          <ac:spMkLst>
-            <pc:docMk/>
-            <pc:sldMk cId="882819424" sldId="264"/>
-            <ac:spMk id="6" creationId="{E2B4ED0F-B17C-44E9-AA1C-33D9916112D9}"/>
-          </ac:spMkLst>
-        </pc:spChg>
-        <pc:spChg chg="add mod">
-          <ac:chgData name="Smay, Jim" userId="96794e02-3103-4b78-8546-50f41b7794d0" providerId="ADAL" clId="{1AC1F8AF-A8F4-431E-8F10-38AD5E11E63B}" dt="2022-01-10T21:50:50.532" v="2837" actId="1076"/>
-          <ac:spMkLst>
-            <pc:docMk/>
-            <pc:sldMk cId="882819424" sldId="264"/>
-            <ac:spMk id="7" creationId="{D763742D-FB65-4E54-92F4-C3D6726EAE8A}"/>
-          </ac:spMkLst>
-        </pc:spChg>
-        <pc:cxnChg chg="add mod">
-          <ac:chgData name="Smay, Jim" userId="96794e02-3103-4b78-8546-50f41b7794d0" providerId="ADAL" clId="{1AC1F8AF-A8F4-431E-8F10-38AD5E11E63B}" dt="2022-01-10T16:22:21.747" v="852" actId="1582"/>
-          <ac:cxnSpMkLst>
-            <pc:docMk/>
-            <pc:sldMk cId="882819424" sldId="264"/>
-            <ac:cxnSpMk id="4" creationId="{93B03571-7CED-4692-83E6-3C2EA3FE83BD}"/>
-          </ac:cxnSpMkLst>
-        </pc:cxnChg>
-      </pc:sldChg>
-      <pc:sldChg chg="modSp mod">
-        <pc:chgData name="Smay, Jim" userId="96794e02-3103-4b78-8546-50f41b7794d0" providerId="ADAL" clId="{1AC1F8AF-A8F4-431E-8F10-38AD5E11E63B}" dt="2022-01-10T17:04:09.283" v="1585" actId="27636"/>
-        <pc:sldMkLst>
-          <pc:docMk/>
-          <pc:sldMk cId="2191362273" sldId="268"/>
-        </pc:sldMkLst>
-        <pc:spChg chg="mod">
-          <ac:chgData name="Smay, Jim" userId="96794e02-3103-4b78-8546-50f41b7794d0" providerId="ADAL" clId="{1AC1F8AF-A8F4-431E-8F10-38AD5E11E63B}" dt="2022-01-10T17:03:27.206" v="1564" actId="14100"/>
-          <ac:spMkLst>
-            <pc:docMk/>
-            <pc:sldMk cId="2191362273" sldId="268"/>
-            <ac:spMk id="2" creationId="{00000000-0000-0000-0000-000000000000}"/>
-          </ac:spMkLst>
-        </pc:spChg>
-        <pc:spChg chg="mod">
-          <ac:chgData name="Smay, Jim" userId="96794e02-3103-4b78-8546-50f41b7794d0" providerId="ADAL" clId="{1AC1F8AF-A8F4-431E-8F10-38AD5E11E63B}" dt="2022-01-10T17:04:09.283" v="1585" actId="27636"/>
-          <ac:spMkLst>
-            <pc:docMk/>
-            <pc:sldMk cId="2191362273" sldId="268"/>
-            <ac:spMk id="3" creationId="{00000000-0000-0000-0000-000000000000}"/>
-          </ac:spMkLst>
-        </pc:spChg>
-      </pc:sldChg>
-      <pc:sldChg chg="del">
-        <pc:chgData name="Smay, Jim" userId="96794e02-3103-4b78-8546-50f41b7794d0" providerId="ADAL" clId="{1AC1F8AF-A8F4-431E-8F10-38AD5E11E63B}" dt="2022-01-10T21:30:32.211" v="2612" actId="47"/>
-        <pc:sldMkLst>
-          <pc:docMk/>
-          <pc:sldMk cId="2139155697" sldId="269"/>
-        </pc:sldMkLst>
-      </pc:sldChg>
-      <pc:sldChg chg="del">
-        <pc:chgData name="Smay, Jim" userId="96794e02-3103-4b78-8546-50f41b7794d0" providerId="ADAL" clId="{1AC1F8AF-A8F4-431E-8F10-38AD5E11E63B}" dt="2022-01-10T21:30:37.999" v="2613" actId="47"/>
-        <pc:sldMkLst>
-          <pc:docMk/>
-          <pc:sldMk cId="3896733578" sldId="270"/>
-        </pc:sldMkLst>
-      </pc:sldChg>
-      <pc:sldChg chg="del">
-        <pc:chgData name="Smay, Jim" userId="96794e02-3103-4b78-8546-50f41b7794d0" providerId="ADAL" clId="{1AC1F8AF-A8F4-431E-8F10-38AD5E11E63B}" dt="2022-01-10T21:30:40.511" v="2614" actId="47"/>
-        <pc:sldMkLst>
-          <pc:docMk/>
-          <pc:sldMk cId="3519669408" sldId="271"/>
-        </pc:sldMkLst>
-      </pc:sldChg>
-      <pc:sldChg chg="modSp new del mod">
-        <pc:chgData name="Smay, Jim" userId="96794e02-3103-4b78-8546-50f41b7794d0" providerId="ADAL" clId="{1AC1F8AF-A8F4-431E-8F10-38AD5E11E63B}" dt="2022-01-10T21:31:10.448" v="2616" actId="47"/>
-        <pc:sldMkLst>
-          <pc:docMk/>
-          <pc:sldMk cId="265079681" sldId="272"/>
-        </pc:sldMkLst>
-        <pc:spChg chg="mod">
-          <ac:chgData name="Smay, Jim" userId="96794e02-3103-4b78-8546-50f41b7794d0" providerId="ADAL" clId="{1AC1F8AF-A8F4-431E-8F10-38AD5E11E63B}" dt="2022-01-10T15:08:53.823" v="252" actId="20577"/>
-          <ac:spMkLst>
-            <pc:docMk/>
-            <pc:sldMk cId="265079681" sldId="272"/>
-            <ac:spMk id="2" creationId="{C7940848-E0EC-4997-9372-F8FC9733CBEA}"/>
-          </ac:spMkLst>
-        </pc:spChg>
-        <pc:spChg chg="mod">
-          <ac:chgData name="Smay, Jim" userId="96794e02-3103-4b78-8546-50f41b7794d0" providerId="ADAL" clId="{1AC1F8AF-A8F4-431E-8F10-38AD5E11E63B}" dt="2022-01-10T15:36:29.458" v="306" actId="27636"/>
-          <ac:spMkLst>
-            <pc:docMk/>
-            <pc:sldMk cId="265079681" sldId="272"/>
-            <ac:spMk id="3" creationId="{18FEB378-49B4-4BB2-BAF0-FEC74DB9990E}"/>
-          </ac:spMkLst>
-        </pc:spChg>
-      </pc:sldChg>
-      <pc:sldChg chg="modSp new mod ord modAnim">
-        <pc:chgData name="Smay, Jim" userId="96794e02-3103-4b78-8546-50f41b7794d0" providerId="ADAL" clId="{1AC1F8AF-A8F4-431E-8F10-38AD5E11E63B}" dt="2022-01-10T20:49:11.615" v="2249" actId="1076"/>
-        <pc:sldMkLst>
-          <pc:docMk/>
-          <pc:sldMk cId="2637187684" sldId="273"/>
-        </pc:sldMkLst>
-        <pc:spChg chg="mod">
-          <ac:chgData name="Smay, Jim" userId="96794e02-3103-4b78-8546-50f41b7794d0" providerId="ADAL" clId="{1AC1F8AF-A8F4-431E-8F10-38AD5E11E63B}" dt="2022-01-10T20:45:41.812" v="2213" actId="20577"/>
-          <ac:spMkLst>
-            <pc:docMk/>
-            <pc:sldMk cId="2637187684" sldId="273"/>
-            <ac:spMk id="2" creationId="{BA6AD8FE-39FF-4246-A122-7E71BDA9930B}"/>
-          </ac:spMkLst>
-        </pc:spChg>
-        <pc:spChg chg="mod">
-          <ac:chgData name="Smay, Jim" userId="96794e02-3103-4b78-8546-50f41b7794d0" providerId="ADAL" clId="{1AC1F8AF-A8F4-431E-8F10-38AD5E11E63B}" dt="2022-01-10T20:49:11.615" v="2249" actId="1076"/>
-          <ac:spMkLst>
-            <pc:docMk/>
-            <pc:sldMk cId="2637187684" sldId="273"/>
-            <ac:spMk id="3" creationId="{37528E86-FEF8-448F-9630-797E388CE35C}"/>
-          </ac:spMkLst>
-        </pc:spChg>
-      </pc:sldChg>
-      <pc:sldChg chg="modSp new del mod">
-        <pc:chgData name="Smay, Jim" userId="96794e02-3103-4b78-8546-50f41b7794d0" providerId="ADAL" clId="{1AC1F8AF-A8F4-431E-8F10-38AD5E11E63B}" dt="2022-01-10T15:40:48.693" v="327" actId="47"/>
-        <pc:sldMkLst>
-          <pc:docMk/>
-          <pc:sldMk cId="2920250548" sldId="273"/>
-        </pc:sldMkLst>
-        <pc:spChg chg="mod">
-          <ac:chgData name="Smay, Jim" userId="96794e02-3103-4b78-8546-50f41b7794d0" providerId="ADAL" clId="{1AC1F8AF-A8F4-431E-8F10-38AD5E11E63B}" dt="2022-01-10T15:40:10.427" v="326" actId="20577"/>
-          <ac:spMkLst>
-            <pc:docMk/>
-            <pc:sldMk cId="2920250548" sldId="273"/>
-            <ac:spMk id="2" creationId="{1754FC69-AF0F-41CF-8CDB-5F7A6E4F48B6}"/>
-          </ac:spMkLst>
-        </pc:spChg>
-      </pc:sldChg>
-      <pc:sldChg chg="addSp modSp new mod">
-        <pc:chgData name="Smay, Jim" userId="96794e02-3103-4b78-8546-50f41b7794d0" providerId="ADAL" clId="{1AC1F8AF-A8F4-431E-8F10-38AD5E11E63B}" dt="2022-01-10T16:45:17.504" v="1157" actId="313"/>
-        <pc:sldMkLst>
-          <pc:docMk/>
-          <pc:sldMk cId="1501134169" sldId="274"/>
-        </pc:sldMkLst>
-        <pc:spChg chg="mod">
-          <ac:chgData name="Smay, Jim" userId="96794e02-3103-4b78-8546-50f41b7794d0" providerId="ADAL" clId="{1AC1F8AF-A8F4-431E-8F10-38AD5E11E63B}" dt="2022-01-10T16:33:52.896" v="909" actId="20577"/>
-          <ac:spMkLst>
-            <pc:docMk/>
-            <pc:sldMk cId="1501134169" sldId="274"/>
-            <ac:spMk id="2" creationId="{8293B9D4-878B-483D-ADD6-16719C8A7350}"/>
-          </ac:spMkLst>
-        </pc:spChg>
-        <pc:spChg chg="add mod">
-          <ac:chgData name="Smay, Jim" userId="96794e02-3103-4b78-8546-50f41b7794d0" providerId="ADAL" clId="{1AC1F8AF-A8F4-431E-8F10-38AD5E11E63B}" dt="2022-01-10T16:45:17.504" v="1157" actId="313"/>
-          <ac:spMkLst>
-            <pc:docMk/>
-            <pc:sldMk cId="1501134169" sldId="274"/>
-            <ac:spMk id="3" creationId="{AE08BA39-29E4-4185-AA39-66F5DDD82410}"/>
-          </ac:spMkLst>
-        </pc:spChg>
-      </pc:sldChg>
-      <pc:sldChg chg="modSp new mod">
-        <pc:chgData name="Smay, Jim" userId="96794e02-3103-4b78-8546-50f41b7794d0" providerId="ADAL" clId="{1AC1F8AF-A8F4-431E-8F10-38AD5E11E63B}" dt="2022-01-10T16:46:27.633" v="1217" actId="20577"/>
-        <pc:sldMkLst>
-          <pc:docMk/>
-          <pc:sldMk cId="3525113485" sldId="275"/>
-        </pc:sldMkLst>
-        <pc:spChg chg="mod">
-          <ac:chgData name="Smay, Jim" userId="96794e02-3103-4b78-8546-50f41b7794d0" providerId="ADAL" clId="{1AC1F8AF-A8F4-431E-8F10-38AD5E11E63B}" dt="2022-01-10T16:46:27.633" v="1217" actId="20577"/>
-          <ac:spMkLst>
-            <pc:docMk/>
-            <pc:sldMk cId="3525113485" sldId="275"/>
-            <ac:spMk id="2" creationId="{F983FD53-4F7B-46C0-9DD6-FB0A94CC2DC1}"/>
-          </ac:spMkLst>
-        </pc:spChg>
-      </pc:sldChg>
-      <pc:sldChg chg="modSp new mod">
-        <pc:chgData name="Smay, Jim" userId="96794e02-3103-4b78-8546-50f41b7794d0" providerId="ADAL" clId="{1AC1F8AF-A8F4-431E-8F10-38AD5E11E63B}" dt="2022-01-10T17:21:42.814" v="1822" actId="20577"/>
-        <pc:sldMkLst>
-          <pc:docMk/>
-          <pc:sldMk cId="368511399" sldId="276"/>
-        </pc:sldMkLst>
-        <pc:spChg chg="mod">
-          <ac:chgData name="Smay, Jim" userId="96794e02-3103-4b78-8546-50f41b7794d0" providerId="ADAL" clId="{1AC1F8AF-A8F4-431E-8F10-38AD5E11E63B}" dt="2022-01-10T17:21:42.814" v="1822" actId="20577"/>
-          <ac:spMkLst>
-            <pc:docMk/>
-            <pc:sldMk cId="368511399" sldId="276"/>
-            <ac:spMk id="2" creationId="{71C92608-ACBC-41D1-8CBF-1DADB5ED1B9C}"/>
-          </ac:spMkLst>
-        </pc:spChg>
-        <pc:spChg chg="mod">
-          <ac:chgData name="Smay, Jim" userId="96794e02-3103-4b78-8546-50f41b7794d0" providerId="ADAL" clId="{1AC1F8AF-A8F4-431E-8F10-38AD5E11E63B}" dt="2022-01-10T17:05:17.185" v="1603" actId="20577"/>
-          <ac:spMkLst>
-            <pc:docMk/>
-            <pc:sldMk cId="368511399" sldId="276"/>
-            <ac:spMk id="3" creationId="{73AB138C-FA73-482C-8E3D-999735D475E7}"/>
-          </ac:spMkLst>
-        </pc:spChg>
-      </pc:sldChg>
-      <pc:sldChg chg="modSp mod">
-        <pc:chgData name="Smay, Jim" userId="96794e02-3103-4b78-8546-50f41b7794d0" providerId="ADAL" clId="{1AC1F8AF-A8F4-431E-8F10-38AD5E11E63B}" dt="2022-01-10T21:14:42.984" v="2496" actId="20577"/>
-        <pc:sldMkLst>
-          <pc:docMk/>
-          <pc:sldMk cId="4262160908" sldId="277"/>
-        </pc:sldMkLst>
-        <pc:spChg chg="mod">
-          <ac:chgData name="Smay, Jim" userId="96794e02-3103-4b78-8546-50f41b7794d0" providerId="ADAL" clId="{1AC1F8AF-A8F4-431E-8F10-38AD5E11E63B}" dt="2022-01-10T21:14:42.984" v="2496" actId="20577"/>
-          <ac:spMkLst>
-            <pc:docMk/>
-            <pc:sldMk cId="4262160908" sldId="277"/>
-            <ac:spMk id="2" creationId="{71C92608-ACBC-41D1-8CBF-1DADB5ED1B9C}"/>
-          </ac:spMkLst>
-        </pc:spChg>
-      </pc:sldChg>
-      <pc:sldChg chg="modSp add mod">
-        <pc:chgData name="Smay, Jim" userId="96794e02-3103-4b78-8546-50f41b7794d0" providerId="ADAL" clId="{1AC1F8AF-A8F4-431E-8F10-38AD5E11E63B}" dt="2022-01-10T21:30:27.319" v="2611" actId="20577"/>
-        <pc:sldMkLst>
-          <pc:docMk/>
-          <pc:sldMk cId="3691915035" sldId="278"/>
-        </pc:sldMkLst>
-        <pc:spChg chg="mod">
-          <ac:chgData name="Smay, Jim" userId="96794e02-3103-4b78-8546-50f41b7794d0" providerId="ADAL" clId="{1AC1F8AF-A8F4-431E-8F10-38AD5E11E63B}" dt="2022-01-10T21:30:27.319" v="2611" actId="20577"/>
-          <ac:spMkLst>
-            <pc:docMk/>
-            <pc:sldMk cId="3691915035" sldId="278"/>
-            <ac:spMk id="2" creationId="{71C92608-ACBC-41D1-8CBF-1DADB5ED1B9C}"/>
-          </ac:spMkLst>
-        </pc:spChg>
-      </pc:sldChg>
-    </pc:docChg>
-  </pc:docChgLst>
-  <pc:docChgLst>
-    <pc:chgData name="Jim Smay" userId="96794e02-3103-4b78-8546-50f41b7794d0" providerId="ADAL" clId="{73407817-8342-4EE0-96C9-53B21860C399}"/>
-    <pc:docChg chg="custSel delSld modSld sldOrd modSection">
-      <pc:chgData name="Jim Smay" userId="96794e02-3103-4b78-8546-50f41b7794d0" providerId="ADAL" clId="{73407817-8342-4EE0-96C9-53B21860C399}" dt="2023-01-23T12:54:10.432" v="147" actId="313"/>
-      <pc:docMkLst>
-        <pc:docMk/>
-      </pc:docMkLst>
-      <pc:sldChg chg="addSp modSp mod">
-        <pc:chgData name="Jim Smay" userId="96794e02-3103-4b78-8546-50f41b7794d0" providerId="ADAL" clId="{73407817-8342-4EE0-96C9-53B21860C399}" dt="2023-01-23T12:46:51.942" v="82" actId="20577"/>
-        <pc:sldMkLst>
-          <pc:docMk/>
-          <pc:sldMk cId="3643854921" sldId="257"/>
-        </pc:sldMkLst>
-        <pc:spChg chg="mod">
-          <ac:chgData name="Jim Smay" userId="96794e02-3103-4b78-8546-50f41b7794d0" providerId="ADAL" clId="{73407817-8342-4EE0-96C9-53B21860C399}" dt="2023-01-23T12:46:51.942" v="82" actId="20577"/>
-          <ac:spMkLst>
-            <pc:docMk/>
-            <pc:sldMk cId="3643854921" sldId="257"/>
-            <ac:spMk id="3" creationId="{00000000-0000-0000-0000-000000000000}"/>
-          </ac:spMkLst>
-        </pc:spChg>
-        <pc:spChg chg="add mod">
-          <ac:chgData name="Jim Smay" userId="96794e02-3103-4b78-8546-50f41b7794d0" providerId="ADAL" clId="{73407817-8342-4EE0-96C9-53B21860C399}" dt="2023-01-23T12:44:30.077" v="40" actId="14100"/>
-          <ac:spMkLst>
-            <pc:docMk/>
-            <pc:sldMk cId="3643854921" sldId="257"/>
-            <ac:spMk id="4" creationId="{712FD739-1EB4-0AAF-37F6-469AE3FCF1B4}"/>
-          </ac:spMkLst>
-        </pc:spChg>
-        <pc:spChg chg="add mod">
-          <ac:chgData name="Jim Smay" userId="96794e02-3103-4b78-8546-50f41b7794d0" providerId="ADAL" clId="{73407817-8342-4EE0-96C9-53B21860C399}" dt="2023-01-23T12:44:51.351" v="46" actId="1076"/>
-          <ac:spMkLst>
-            <pc:docMk/>
-            <pc:sldMk cId="3643854921" sldId="257"/>
-            <ac:spMk id="5" creationId="{E4D7EB37-4AE8-F693-DB79-CCEC4DBBF3A6}"/>
-          </ac:spMkLst>
-        </pc:spChg>
-      </pc:sldChg>
-      <pc:sldChg chg="modSp mod">
-        <pc:chgData name="Jim Smay" userId="96794e02-3103-4b78-8546-50f41b7794d0" providerId="ADAL" clId="{73407817-8342-4EE0-96C9-53B21860C399}" dt="2023-01-23T12:42:29.280" v="32" actId="207"/>
-        <pc:sldMkLst>
-          <pc:docMk/>
-          <pc:sldMk cId="123517142" sldId="258"/>
-        </pc:sldMkLst>
-        <pc:spChg chg="mod">
-          <ac:chgData name="Jim Smay" userId="96794e02-3103-4b78-8546-50f41b7794d0" providerId="ADAL" clId="{73407817-8342-4EE0-96C9-53B21860C399}" dt="2023-01-23T12:41:53.856" v="29" actId="27636"/>
-          <ac:spMkLst>
-            <pc:docMk/>
-            <pc:sldMk cId="123517142" sldId="258"/>
-            <ac:spMk id="2" creationId="{00000000-0000-0000-0000-000000000000}"/>
-          </ac:spMkLst>
-        </pc:spChg>
-        <pc:spChg chg="mod">
-          <ac:chgData name="Jim Smay" userId="96794e02-3103-4b78-8546-50f41b7794d0" providerId="ADAL" clId="{73407817-8342-4EE0-96C9-53B21860C399}" dt="2023-01-23T12:42:29.280" v="32" actId="207"/>
-          <ac:spMkLst>
-            <pc:docMk/>
-            <pc:sldMk cId="123517142" sldId="258"/>
-            <ac:spMk id="3" creationId="{00000000-0000-0000-0000-000000000000}"/>
-          </ac:spMkLst>
-        </pc:spChg>
-      </pc:sldChg>
-      <pc:sldChg chg="del ord">
-        <pc:chgData name="Jim Smay" userId="96794e02-3103-4b78-8546-50f41b7794d0" providerId="ADAL" clId="{73407817-8342-4EE0-96C9-53B21860C399}" dt="2023-01-23T12:45:16.247" v="47" actId="47"/>
-        <pc:sldMkLst>
-          <pc:docMk/>
-          <pc:sldMk cId="952842061" sldId="259"/>
-        </pc:sldMkLst>
-      </pc:sldChg>
-      <pc:sldChg chg="modSp mod">
-        <pc:chgData name="Jim Smay" userId="96794e02-3103-4b78-8546-50f41b7794d0" providerId="ADAL" clId="{73407817-8342-4EE0-96C9-53B21860C399}" dt="2023-01-23T12:51:04.342" v="143" actId="1076"/>
-        <pc:sldMkLst>
-          <pc:docMk/>
-          <pc:sldMk cId="2430491555" sldId="261"/>
-        </pc:sldMkLst>
-        <pc:graphicFrameChg chg="mod modGraphic">
-          <ac:chgData name="Jim Smay" userId="96794e02-3103-4b78-8546-50f41b7794d0" providerId="ADAL" clId="{73407817-8342-4EE0-96C9-53B21860C399}" dt="2023-01-23T12:51:04.342" v="143" actId="1076"/>
-          <ac:graphicFrameMkLst>
-            <pc:docMk/>
-            <pc:sldMk cId="2430491555" sldId="261"/>
-            <ac:graphicFrameMk id="4" creationId="{00000000-0000-0000-0000-000000000000}"/>
-          </ac:graphicFrameMkLst>
-        </pc:graphicFrameChg>
-      </pc:sldChg>
-      <pc:sldChg chg="modSp del mod">
-        <pc:chgData name="Jim Smay" userId="96794e02-3103-4b78-8546-50f41b7794d0" providerId="ADAL" clId="{73407817-8342-4EE0-96C9-53B21860C399}" dt="2023-01-23T12:40:15.400" v="21" actId="47"/>
-        <pc:sldMkLst>
-          <pc:docMk/>
-          <pc:sldMk cId="1264874541" sldId="262"/>
-        </pc:sldMkLst>
-        <pc:spChg chg="mod">
-          <ac:chgData name="Jim Smay" userId="96794e02-3103-4b78-8546-50f41b7794d0" providerId="ADAL" clId="{73407817-8342-4EE0-96C9-53B21860C399}" dt="2023-01-23T12:39:13.934" v="17" actId="20577"/>
-          <ac:spMkLst>
-            <pc:docMk/>
-            <pc:sldMk cId="1264874541" sldId="262"/>
-            <ac:spMk id="2" creationId="{00000000-0000-0000-0000-000000000000}"/>
-          </ac:spMkLst>
-        </pc:spChg>
-        <pc:spChg chg="mod">
-          <ac:chgData name="Jim Smay" userId="96794e02-3103-4b78-8546-50f41b7794d0" providerId="ADAL" clId="{73407817-8342-4EE0-96C9-53B21860C399}" dt="2023-01-23T12:39:36.735" v="20" actId="255"/>
-          <ac:spMkLst>
-            <pc:docMk/>
-            <pc:sldMk cId="1264874541" sldId="262"/>
-            <ac:spMk id="3" creationId="{00000000-0000-0000-0000-000000000000}"/>
-          </ac:spMkLst>
-        </pc:spChg>
-      </pc:sldChg>
-      <pc:sldChg chg="modSp mod">
-        <pc:chgData name="Jim Smay" userId="96794e02-3103-4b78-8546-50f41b7794d0" providerId="ADAL" clId="{73407817-8342-4EE0-96C9-53B21860C399}" dt="2023-01-23T12:54:10.432" v="147" actId="313"/>
-        <pc:sldMkLst>
-          <pc:docMk/>
-          <pc:sldMk cId="1501134169" sldId="274"/>
-        </pc:sldMkLst>
-        <pc:spChg chg="mod">
-          <ac:chgData name="Jim Smay" userId="96794e02-3103-4b78-8546-50f41b7794d0" providerId="ADAL" clId="{73407817-8342-4EE0-96C9-53B21860C399}" dt="2023-01-23T12:54:10.432" v="147" actId="313"/>
-          <ac:spMkLst>
-            <pc:docMk/>
-            <pc:sldMk cId="1501134169" sldId="274"/>
-            <ac:spMk id="3" creationId="{AE08BA39-29E4-4185-AA39-66F5DDD82410}"/>
-          </ac:spMkLst>
-        </pc:spChg>
-      </pc:sldChg>
-    </pc:docChg>
-  </pc:docChgLst>
-  <pc:docChgLst>
-    <pc:chgData name="Jim Smay" userId="96794e02-3103-4b78-8546-50f41b7794d0" providerId="ADAL" clId="{0EE90728-F420-4C16-935F-52C3820F0AB2}"/>
-    <pc:docChg chg="custSel addSld modSld modSection">
-      <pc:chgData name="Jim Smay" userId="96794e02-3103-4b78-8546-50f41b7794d0" providerId="ADAL" clId="{0EE90728-F420-4C16-935F-52C3820F0AB2}" dt="2023-01-23T21:30:17.395" v="480" actId="1076"/>
-      <pc:docMkLst>
-        <pc:docMk/>
-      </pc:docMkLst>
-      <pc:sldChg chg="modSp mod">
-        <pc:chgData name="Jim Smay" userId="96794e02-3103-4b78-8546-50f41b7794d0" providerId="ADAL" clId="{0EE90728-F420-4C16-935F-52C3820F0AB2}" dt="2023-01-23T21:29:38.261" v="477" actId="2711"/>
-        <pc:sldMkLst>
-          <pc:docMk/>
-          <pc:sldMk cId="2053110676" sldId="260"/>
-        </pc:sldMkLst>
-        <pc:spChg chg="mod">
-          <ac:chgData name="Jim Smay" userId="96794e02-3103-4b78-8546-50f41b7794d0" providerId="ADAL" clId="{0EE90728-F420-4C16-935F-52C3820F0AB2}" dt="2023-01-23T21:28:47.414" v="470" actId="14100"/>
-          <ac:spMkLst>
-            <pc:docMk/>
-            <pc:sldMk cId="2053110676" sldId="260"/>
-            <ac:spMk id="2" creationId="{00000000-0000-0000-0000-000000000000}"/>
-          </ac:spMkLst>
-        </pc:spChg>
-        <pc:spChg chg="mod">
-          <ac:chgData name="Jim Smay" userId="96794e02-3103-4b78-8546-50f41b7794d0" providerId="ADAL" clId="{0EE90728-F420-4C16-935F-52C3820F0AB2}" dt="2023-01-23T21:29:38.261" v="477" actId="2711"/>
-          <ac:spMkLst>
-            <pc:docMk/>
-            <pc:sldMk cId="2053110676" sldId="260"/>
-            <ac:spMk id="3" creationId="{00000000-0000-0000-0000-000000000000}"/>
-          </ac:spMkLst>
-        </pc:spChg>
-      </pc:sldChg>
-      <pc:sldChg chg="modSp mod">
-        <pc:chgData name="Jim Smay" userId="96794e02-3103-4b78-8546-50f41b7794d0" providerId="ADAL" clId="{0EE90728-F420-4C16-935F-52C3820F0AB2}" dt="2023-01-23T21:30:17.395" v="480" actId="1076"/>
-        <pc:sldMkLst>
-          <pc:docMk/>
-          <pc:sldMk cId="3140414077" sldId="263"/>
-        </pc:sldMkLst>
-        <pc:spChg chg="mod">
-          <ac:chgData name="Jim Smay" userId="96794e02-3103-4b78-8546-50f41b7794d0" providerId="ADAL" clId="{0EE90728-F420-4C16-935F-52C3820F0AB2}" dt="2023-01-23T21:30:14.004" v="479" actId="27636"/>
-          <ac:spMkLst>
-            <pc:docMk/>
-            <pc:sldMk cId="3140414077" sldId="263"/>
-            <ac:spMk id="2" creationId="{00000000-0000-0000-0000-000000000000}"/>
-          </ac:spMkLst>
-        </pc:spChg>
-        <pc:spChg chg="mod">
-          <ac:chgData name="Jim Smay" userId="96794e02-3103-4b78-8546-50f41b7794d0" providerId="ADAL" clId="{0EE90728-F420-4C16-935F-52C3820F0AB2}" dt="2023-01-23T21:30:17.395" v="480" actId="1076"/>
-          <ac:spMkLst>
-            <pc:docMk/>
-            <pc:sldMk cId="3140414077" sldId="263"/>
-            <ac:spMk id="3" creationId="{00000000-0000-0000-0000-000000000000}"/>
-          </ac:spMkLst>
-        </pc:spChg>
-      </pc:sldChg>
-      <pc:sldChg chg="modSp mod">
-        <pc:chgData name="Jim Smay" userId="96794e02-3103-4b78-8546-50f41b7794d0" providerId="ADAL" clId="{0EE90728-F420-4C16-935F-52C3820F0AB2}" dt="2023-01-23T17:06:35.399" v="0" actId="20577"/>
-        <pc:sldMkLst>
-          <pc:docMk/>
-          <pc:sldMk cId="3525113485" sldId="275"/>
-        </pc:sldMkLst>
-        <pc:spChg chg="mod">
-          <ac:chgData name="Jim Smay" userId="96794e02-3103-4b78-8546-50f41b7794d0" providerId="ADAL" clId="{0EE90728-F420-4C16-935F-52C3820F0AB2}" dt="2023-01-23T17:06:35.399" v="0" actId="20577"/>
-          <ac:spMkLst>
-            <pc:docMk/>
-            <pc:sldMk cId="3525113485" sldId="275"/>
-            <ac:spMk id="2" creationId="{F983FD53-4F7B-46C0-9DD6-FB0A94CC2DC1}"/>
-          </ac:spMkLst>
-        </pc:spChg>
-      </pc:sldChg>
-      <pc:sldChg chg="modSp new mod">
-        <pc:chgData name="Jim Smay" userId="96794e02-3103-4b78-8546-50f41b7794d0" providerId="ADAL" clId="{0EE90728-F420-4C16-935F-52C3820F0AB2}" dt="2023-01-23T21:18:22.547" v="469" actId="20577"/>
-        <pc:sldMkLst>
-          <pc:docMk/>
-          <pc:sldMk cId="3593420661" sldId="279"/>
-        </pc:sldMkLst>
-        <pc:spChg chg="mod">
-          <ac:chgData name="Jim Smay" userId="96794e02-3103-4b78-8546-50f41b7794d0" providerId="ADAL" clId="{0EE90728-F420-4C16-935F-52C3820F0AB2}" dt="2023-01-23T21:18:22.547" v="469" actId="20577"/>
-          <ac:spMkLst>
-            <pc:docMk/>
-            <pc:sldMk cId="3593420661" sldId="279"/>
-            <ac:spMk id="2" creationId="{D8315388-03AF-2696-DFC3-1C14B8427B37}"/>
-          </ac:spMkLst>
-        </pc:spChg>
-        <pc:spChg chg="mod">
-          <ac:chgData name="Jim Smay" userId="96794e02-3103-4b78-8546-50f41b7794d0" providerId="ADAL" clId="{0EE90728-F420-4C16-935F-52C3820F0AB2}" dt="2023-01-23T21:14:32.984" v="18" actId="14100"/>
-          <ac:spMkLst>
-            <pc:docMk/>
-            <pc:sldMk cId="3593420661" sldId="279"/>
-            <ac:spMk id="3" creationId="{1539E01B-C279-F3D6-670C-C811F8F6BFF5}"/>
-          </ac:spMkLst>
-        </pc:spChg>
-      </pc:sldChg>
-    </pc:docChg>
-  </pc:docChgLst>
-</pc:chgInfo>
 </file>
 
 <file path=ppt/slideLayouts/slideLayout1.xml><?xml version="1.0" encoding="utf-8"?>
@@ -861,7 +313,7 @@
           <a:p>
             <a:fld id="{48A87A34-81AB-432B-8DAE-1953F412C126}" type="datetimeFigureOut">
               <a:rPr lang="en-US" smtClean="0"/>
-              <a:t>1/23/2023</a:t>
+              <a:t>1/22/2024</a:t>
             </a:fld>
             <a:endParaRPr lang="en-US" dirty="0"/>
           </a:p>
@@ -1049,7 +501,7 @@
           <a:p>
             <a:fld id="{48A87A34-81AB-432B-8DAE-1953F412C126}" type="datetimeFigureOut">
               <a:rPr lang="en-US" smtClean="0"/>
-              <a:t>1/23/2023</a:t>
+              <a:t>1/22/2024</a:t>
             </a:fld>
             <a:endParaRPr lang="en-US" dirty="0"/>
           </a:p>
@@ -1227,7 +679,7 @@
           <a:p>
             <a:fld id="{48A87A34-81AB-432B-8DAE-1953F412C126}" type="datetimeFigureOut">
               <a:rPr lang="en-US" smtClean="0"/>
-              <a:t>1/23/2023</a:t>
+              <a:t>1/22/2024</a:t>
             </a:fld>
             <a:endParaRPr lang="en-US" dirty="0"/>
           </a:p>
@@ -1591,7 +1043,7 @@
           <a:p>
             <a:fld id="{48A87A34-81AB-432B-8DAE-1953F412C126}" type="datetimeFigureOut">
               <a:rPr lang="en-US" smtClean="0"/>
-              <a:t>1/23/2023</a:t>
+              <a:t>1/22/2024</a:t>
             </a:fld>
             <a:endParaRPr lang="en-US" dirty="0"/>
           </a:p>
@@ -1820,7 +1272,7 @@
           <a:p>
             <a:fld id="{48A87A34-81AB-432B-8DAE-1953F412C126}" type="datetimeFigureOut">
               <a:rPr lang="en-US" smtClean="0"/>
-              <a:t>1/23/2023</a:t>
+              <a:t>1/22/2024</a:t>
             </a:fld>
             <a:endParaRPr lang="en-US" dirty="0"/>
           </a:p>
@@ -2184,7 +1636,7 @@
           <a:p>
             <a:fld id="{48A87A34-81AB-432B-8DAE-1953F412C126}" type="datetimeFigureOut">
               <a:rPr lang="en-US" smtClean="0"/>
-              <a:t>1/23/2023</a:t>
+              <a:t>1/22/2024</a:t>
             </a:fld>
             <a:endParaRPr lang="en-US" dirty="0"/>
           </a:p>
@@ -2301,7 +1753,7 @@
           <a:p>
             <a:fld id="{48A87A34-81AB-432B-8DAE-1953F412C126}" type="datetimeFigureOut">
               <a:rPr lang="en-US" smtClean="0"/>
-              <a:t>1/23/2023</a:t>
+              <a:t>1/22/2024</a:t>
             </a:fld>
             <a:endParaRPr lang="en-US" dirty="0"/>
           </a:p>
@@ -2396,7 +1848,7 @@
           <a:p>
             <a:fld id="{48A87A34-81AB-432B-8DAE-1953F412C126}" type="datetimeFigureOut">
               <a:rPr lang="en-US" smtClean="0"/>
-              <a:t>1/23/2023</a:t>
+              <a:t>1/22/2024</a:t>
             </a:fld>
             <a:endParaRPr lang="en-US" dirty="0"/>
           </a:p>
@@ -2671,7 +2123,7 @@
           <a:p>
             <a:fld id="{48A87A34-81AB-432B-8DAE-1953F412C126}" type="datetimeFigureOut">
               <a:rPr lang="en-US" smtClean="0"/>
-              <a:t>1/23/2023</a:t>
+              <a:t>1/22/2024</a:t>
             </a:fld>
             <a:endParaRPr lang="en-US" dirty="0"/>
           </a:p>
@@ -2926,7 +2378,7 @@
           <a:p>
             <a:fld id="{48A87A34-81AB-432B-8DAE-1953F412C126}" type="datetimeFigureOut">
               <a:rPr lang="en-US" smtClean="0"/>
-              <a:t>1/23/2023</a:t>
+              <a:t>1/22/2024</a:t>
             </a:fld>
             <a:endParaRPr lang="en-US" dirty="0"/>
           </a:p>
@@ -3141,7 +2593,7 @@
             <a:fld id="{48A87A34-81AB-432B-8DAE-1953F412C126}" type="datetimeFigureOut">
               <a:rPr lang="en-US" smtClean="0"/>
               <a:pPr/>
-              <a:t>1/23/2023</a:t>
+              <a:t>1/22/2024</a:t>
             </a:fld>
             <a:endParaRPr lang="en-US" dirty="0"/>
           </a:p>
@@ -5196,7 +4648,13 @@
       </p:grpSpPr>
       <p:sp>
         <p:nvSpPr>
-          <p:cNvPr id="3" name="Content Placeholder 2"/>
+          <p:cNvPr id="2" name="Content Placeholder 1">
+            <a:extLst>
+              <a:ext uri="{FF2B5EF4-FFF2-40B4-BE49-F238E27FC236}">
+                <a16:creationId xmlns:a16="http://schemas.microsoft.com/office/drawing/2014/main" id="{DF74B8FF-AF5F-78CB-07BF-26EA92A50BBF}"/>
+              </a:ext>
+            </a:extLst>
+          </p:cNvPr>
           <p:cNvSpPr>
             <a:spLocks noGrp="1"/>
           </p:cNvSpPr>
@@ -5206,371 +4664,140 @@
         </p:nvSpPr>
         <p:spPr>
           <a:xfrm>
-            <a:off x="291829" y="1079937"/>
-            <a:ext cx="11517549" cy="5707117"/>
+            <a:off x="838200" y="855921"/>
+            <a:ext cx="10515600" cy="5321042"/>
           </a:xfrm>
         </p:spPr>
         <p:txBody>
           <a:bodyPr>
-            <a:normAutofit/>
+            <a:normAutofit fontScale="70000" lnSpcReduction="20000"/>
           </a:bodyPr>
           <a:lstStyle/>
           <a:p>
             <a:r>
+              <a:rPr lang="en-US" dirty="0"/>
+              <a:t>A version control system that allows you to very precisely observe changes in your code over time.</a:t>
+            </a:r>
+          </a:p>
+          <a:p>
+            <a:r>
               <a:rPr lang="en-US" dirty="0">
-                <a:latin typeface="Courier New" panose="02070309020205020404" pitchFamily="49" charset="0"/>
-                <a:cs typeface="Courier New" panose="02070309020205020404" pitchFamily="49" charset="0"/>
-              </a:rPr>
-              <a:t>Intro</a:t>
-            </a:r>
-            <a:r>
-              <a:rPr lang="en-US" sz="1400" dirty="0">
-                <a:latin typeface="Courier New" panose="02070309020205020404" pitchFamily="49" charset="0"/>
-                <a:cs typeface="Courier New" panose="02070309020205020404" pitchFamily="49" charset="0"/>
-              </a:rPr>
-              <a:t> </a:t>
-            </a:r>
-            <a:r>
-              <a:rPr lang="en-US" sz="1400" dirty="0">
                 <a:solidFill>
-                  <a:srgbClr val="783CBA"/>
+                  <a:schemeClr val="accent1"/>
                 </a:solidFill>
-                <a:latin typeface="Courier New" panose="02070309020205020404" pitchFamily="49" charset="0"/>
-                <a:cs typeface="Courier New" panose="02070309020205020404" pitchFamily="49" charset="0"/>
-              </a:rPr>
-              <a:t>(</a:t>
-            </a:r>
-            <a:r>
-              <a:rPr lang="en-US" sz="1400" dirty="0">
+              </a:rPr>
+              <a:t>Repository:</a:t>
+            </a:r>
+            <a:r>
+              <a:rPr lang="en-US" dirty="0"/>
+              <a:t>  the place your files are stored. Remote (on github.com) and local (on your hard drive)</a:t>
+            </a:r>
+          </a:p>
+          <a:p>
+            <a:r>
+              <a:rPr lang="en-US" dirty="0">
                 <a:solidFill>
-                  <a:srgbClr val="783CBA"/>
+                  <a:schemeClr val="accent1"/>
                 </a:solidFill>
-                <a:latin typeface="Courier New" panose="02070309020205020404" pitchFamily="49" charset="0"/>
-                <a:cs typeface="Courier New" panose="02070309020205020404" pitchFamily="49" charset="0"/>
-                <a:hlinkClick r:id="rId2"/>
-              </a:rPr>
-              <a:t>https://www.w3schools.com/python/python_intro.asp</a:t>
-            </a:r>
-            <a:r>
-              <a:rPr lang="en-US" sz="1400" dirty="0">
+              </a:rPr>
+              <a:t>Clone:  </a:t>
+            </a:r>
+            <a:r>
+              <a:rPr lang="en-US" dirty="0"/>
+              <a:t>to clone a repository means to make a local copy</a:t>
+            </a:r>
+          </a:p>
+          <a:p>
+            <a:r>
+              <a:rPr lang="en-US" dirty="0">
                 <a:solidFill>
-                  <a:srgbClr val="783CBA"/>
+                  <a:schemeClr val="accent1"/>
                 </a:solidFill>
-                <a:latin typeface="Courier New" panose="02070309020205020404" pitchFamily="49" charset="0"/>
-                <a:cs typeface="Courier New" panose="02070309020205020404" pitchFamily="49" charset="0"/>
-              </a:rPr>
-              <a:t>) </a:t>
-            </a:r>
-            <a:r>
-              <a:rPr lang="en-US" sz="1400" dirty="0">
-                <a:latin typeface="Courier New" panose="02070309020205020404" pitchFamily="49" charset="0"/>
-                <a:cs typeface="Courier New" panose="02070309020205020404" pitchFamily="49" charset="0"/>
-              </a:rPr>
-              <a:t>#skip, mostly</a:t>
+              </a:rPr>
+              <a:t>Pull:  </a:t>
+            </a:r>
+            <a:r>
+              <a:rPr lang="en-US" dirty="0"/>
+              <a:t>check the online repository and download any changes to your local repository</a:t>
             </a:r>
           </a:p>
           <a:p>
             <a:r>
               <a:rPr lang="en-US" dirty="0">
-                <a:latin typeface="Courier New" panose="02070309020205020404" pitchFamily="49" charset="0"/>
-                <a:cs typeface="Courier New" panose="02070309020205020404" pitchFamily="49" charset="0"/>
-              </a:rPr>
-              <a:t>Syntax </a:t>
-            </a:r>
-            <a:r>
-              <a:rPr lang="en-US" sz="1400" dirty="0">
-                <a:latin typeface="Courier New" panose="02070309020205020404" pitchFamily="49" charset="0"/>
-                <a:cs typeface="Courier New" panose="02070309020205020404" pitchFamily="49" charset="0"/>
-              </a:rPr>
-              <a:t>(</a:t>
-            </a:r>
-            <a:r>
-              <a:rPr lang="en-US" sz="1400" dirty="0">
-                <a:latin typeface="Courier New" panose="02070309020205020404" pitchFamily="49" charset="0"/>
-                <a:cs typeface="Courier New" panose="02070309020205020404" pitchFamily="49" charset="0"/>
-                <a:hlinkClick r:id="rId3"/>
-              </a:rPr>
-              <a:t>https://www.w3schools.com/python/python_syntax.asp</a:t>
-            </a:r>
-            <a:r>
-              <a:rPr lang="en-US" sz="1400" dirty="0">
-                <a:latin typeface="Courier New" panose="02070309020205020404" pitchFamily="49" charset="0"/>
-                <a:cs typeface="Courier New" panose="02070309020205020404" pitchFamily="49" charset="0"/>
-              </a:rPr>
-              <a:t>) #skip, mostly</a:t>
+                <a:solidFill>
+                  <a:schemeClr val="accent1"/>
+                </a:solidFill>
+              </a:rPr>
+              <a:t>Commit:  </a:t>
+            </a:r>
+            <a:r>
+              <a:rPr lang="en-US" dirty="0"/>
+              <a:t>after you make some changes, you can commit those changes to be uploaded to the online repository</a:t>
             </a:r>
           </a:p>
           <a:p>
             <a:r>
               <a:rPr lang="en-US" dirty="0">
-                <a:latin typeface="Courier New" panose="02070309020205020404" pitchFamily="49" charset="0"/>
-                <a:cs typeface="Courier New" panose="02070309020205020404" pitchFamily="49" charset="0"/>
-              </a:rPr>
-              <a:t>Comments </a:t>
-            </a:r>
-            <a:r>
-              <a:rPr lang="en-US" sz="1400" dirty="0">
-                <a:latin typeface="Courier New" panose="02070309020205020404" pitchFamily="49" charset="0"/>
-                <a:cs typeface="Courier New" panose="02070309020205020404" pitchFamily="49" charset="0"/>
-              </a:rPr>
-              <a:t>(</a:t>
-            </a:r>
-            <a:r>
-              <a:rPr lang="en-US" sz="1400" dirty="0">
-                <a:latin typeface="Courier New" panose="02070309020205020404" pitchFamily="49" charset="0"/>
-                <a:cs typeface="Courier New" panose="02070309020205020404" pitchFamily="49" charset="0"/>
-                <a:hlinkClick r:id="rId4"/>
-              </a:rPr>
-              <a:t>https://www.w3schools.com/python/python_comments.asp</a:t>
-            </a:r>
-            <a:r>
-              <a:rPr lang="en-US" sz="1400" dirty="0">
-                <a:latin typeface="Courier New" panose="02070309020205020404" pitchFamily="49" charset="0"/>
-                <a:cs typeface="Courier New" panose="02070309020205020404" pitchFamily="49" charset="0"/>
-              </a:rPr>
-              <a:t>)</a:t>
+                <a:solidFill>
+                  <a:schemeClr val="accent1"/>
+                </a:solidFill>
+              </a:rPr>
+              <a:t>Push:  </a:t>
+            </a:r>
+            <a:r>
+              <a:rPr lang="en-US" dirty="0"/>
+              <a:t>after you are satisfied with your commit, this action puts it on the online (remote) repository.  Only changed files are updated.</a:t>
             </a:r>
           </a:p>
           <a:p>
             <a:r>
               <a:rPr lang="en-US" dirty="0">
-                <a:latin typeface="Courier New" panose="02070309020205020404" pitchFamily="49" charset="0"/>
-                <a:cs typeface="Courier New" panose="02070309020205020404" pitchFamily="49" charset="0"/>
-              </a:rPr>
-              <a:t>Variables </a:t>
-            </a:r>
-            <a:r>
-              <a:rPr lang="en-US" sz="1400" dirty="0">
-                <a:latin typeface="Courier New" panose="02070309020205020404" pitchFamily="49" charset="0"/>
-                <a:cs typeface="Courier New" panose="02070309020205020404" pitchFamily="49" charset="0"/>
-              </a:rPr>
-              <a:t>(</a:t>
-            </a:r>
-            <a:r>
-              <a:rPr lang="en-US" sz="1400" dirty="0">
-                <a:latin typeface="Courier New" panose="02070309020205020404" pitchFamily="49" charset="0"/>
-                <a:cs typeface="Courier New" panose="02070309020205020404" pitchFamily="49" charset="0"/>
-                <a:hlinkClick r:id="rId5"/>
-              </a:rPr>
-              <a:t>https://www.w3schools.com/python/python_variables.asp</a:t>
-            </a:r>
-            <a:r>
-              <a:rPr lang="en-US" sz="1400" dirty="0">
-                <a:latin typeface="Courier New" panose="02070309020205020404" pitchFamily="49" charset="0"/>
-                <a:cs typeface="Courier New" panose="02070309020205020404" pitchFamily="49" charset="0"/>
-              </a:rPr>
-              <a:t>)</a:t>
-            </a:r>
+                <a:solidFill>
+                  <a:schemeClr val="accent1"/>
+                </a:solidFill>
+              </a:rPr>
+              <a:t>Branch:</a:t>
+            </a:r>
+            <a:r>
+              <a:rPr lang="en-US" dirty="0"/>
+              <a:t>  any repository and be used as the basis for a new development effort (i.e., you want to change some code as an experiment, but don’t want to pollute the code that works well).</a:t>
+            </a:r>
+            <a:endParaRPr lang="en-US" dirty="0">
+              <a:solidFill>
+                <a:schemeClr val="accent1"/>
+              </a:solidFill>
+            </a:endParaRPr>
           </a:p>
           <a:p>
             <a:r>
               <a:rPr lang="en-US" dirty="0">
-                <a:latin typeface="Courier New" panose="02070309020205020404" pitchFamily="49" charset="0"/>
-                <a:cs typeface="Courier New" panose="02070309020205020404" pitchFamily="49" charset="0"/>
-              </a:rPr>
-              <a:t>Data Types </a:t>
-            </a:r>
-            <a:r>
-              <a:rPr lang="en-US" sz="1400" dirty="0">
-                <a:latin typeface="Courier New" panose="02070309020205020404" pitchFamily="49" charset="0"/>
-                <a:cs typeface="Courier New" panose="02070309020205020404" pitchFamily="49" charset="0"/>
-              </a:rPr>
-              <a:t>(</a:t>
-            </a:r>
-            <a:r>
-              <a:rPr lang="en-US" sz="1400" dirty="0">
-                <a:latin typeface="Courier New" panose="02070309020205020404" pitchFamily="49" charset="0"/>
-                <a:cs typeface="Courier New" panose="02070309020205020404" pitchFamily="49" charset="0"/>
-                <a:hlinkClick r:id="rId6"/>
-              </a:rPr>
-              <a:t>https://www.w3schools.com/python/python_datatypes.asp</a:t>
-            </a:r>
-            <a:r>
-              <a:rPr lang="en-US" sz="1400" dirty="0">
-                <a:latin typeface="Courier New" panose="02070309020205020404" pitchFamily="49" charset="0"/>
-                <a:cs typeface="Courier New" panose="02070309020205020404" pitchFamily="49" charset="0"/>
-              </a:rPr>
-              <a:t>) #brief</a:t>
-            </a:r>
-          </a:p>
-          <a:p>
-            <a:r>
-              <a:rPr lang="en-US" dirty="0">
-                <a:latin typeface="Courier New" panose="02070309020205020404" pitchFamily="49" charset="0"/>
-                <a:cs typeface="Courier New" panose="02070309020205020404" pitchFamily="49" charset="0"/>
-              </a:rPr>
-              <a:t>Numbers </a:t>
-            </a:r>
-            <a:r>
-              <a:rPr lang="en-US" sz="1400" dirty="0">
-                <a:latin typeface="Courier New" panose="02070309020205020404" pitchFamily="49" charset="0"/>
-                <a:cs typeface="Courier New" panose="02070309020205020404" pitchFamily="49" charset="0"/>
-              </a:rPr>
-              <a:t>(</a:t>
-            </a:r>
-            <a:r>
-              <a:rPr lang="en-US" sz="1400" dirty="0">
-                <a:latin typeface="Courier New" panose="02070309020205020404" pitchFamily="49" charset="0"/>
-                <a:cs typeface="Courier New" panose="02070309020205020404" pitchFamily="49" charset="0"/>
-                <a:hlinkClick r:id="rId7"/>
-              </a:rPr>
-              <a:t>https://www.w3schools.com/python/python_numbers.asp</a:t>
-            </a:r>
-            <a:r>
-              <a:rPr lang="en-US" sz="1400" dirty="0">
-                <a:latin typeface="Courier New" panose="02070309020205020404" pitchFamily="49" charset="0"/>
-                <a:cs typeface="Courier New" panose="02070309020205020404" pitchFamily="49" charset="0"/>
-              </a:rPr>
-              <a:t>) #brief</a:t>
-            </a:r>
-          </a:p>
-          <a:p>
-            <a:r>
-              <a:rPr lang="en-US" dirty="0">
-                <a:latin typeface="Courier New" panose="02070309020205020404" pitchFamily="49" charset="0"/>
-                <a:cs typeface="Courier New" panose="02070309020205020404" pitchFamily="49" charset="0"/>
-              </a:rPr>
-              <a:t>Casting </a:t>
-            </a:r>
-            <a:r>
-              <a:rPr lang="en-US" sz="1400" dirty="0">
-                <a:latin typeface="Courier New" panose="02070309020205020404" pitchFamily="49" charset="0"/>
-                <a:cs typeface="Courier New" panose="02070309020205020404" pitchFamily="49" charset="0"/>
-              </a:rPr>
-              <a:t>(</a:t>
-            </a:r>
-            <a:r>
-              <a:rPr lang="en-US" sz="1400" dirty="0">
-                <a:latin typeface="Courier New" panose="02070309020205020404" pitchFamily="49" charset="0"/>
-                <a:cs typeface="Courier New" panose="02070309020205020404" pitchFamily="49" charset="0"/>
-                <a:hlinkClick r:id="rId8"/>
-              </a:rPr>
-              <a:t>https://www.w3schools.com/python/python_casting.asp</a:t>
-            </a:r>
-            <a:r>
-              <a:rPr lang="en-US" sz="1400" dirty="0">
-                <a:latin typeface="Courier New" panose="02070309020205020404" pitchFamily="49" charset="0"/>
-                <a:cs typeface="Courier New" panose="02070309020205020404" pitchFamily="49" charset="0"/>
-              </a:rPr>
-              <a:t>) #brief</a:t>
-            </a:r>
-          </a:p>
-          <a:p>
-            <a:r>
-              <a:rPr lang="en-US" dirty="0">
-                <a:latin typeface="Courier New" panose="02070309020205020404" pitchFamily="49" charset="0"/>
-                <a:cs typeface="Courier New" panose="02070309020205020404" pitchFamily="49" charset="0"/>
-              </a:rPr>
-              <a:t>Strings</a:t>
-            </a:r>
-            <a:r>
-              <a:rPr lang="en-US" sz="1400" dirty="0">
-                <a:latin typeface="Courier New" panose="02070309020205020404" pitchFamily="49" charset="0"/>
-                <a:cs typeface="Courier New" panose="02070309020205020404" pitchFamily="49" charset="0"/>
-              </a:rPr>
-              <a:t>(</a:t>
-            </a:r>
-            <a:r>
-              <a:rPr lang="en-US" sz="1400" dirty="0">
-                <a:latin typeface="Courier New" panose="02070309020205020404" pitchFamily="49" charset="0"/>
-                <a:cs typeface="Courier New" panose="02070309020205020404" pitchFamily="49" charset="0"/>
-                <a:hlinkClick r:id="rId9"/>
-              </a:rPr>
-              <a:t>https://www.w3schools.com/python/python_strings.asp</a:t>
-            </a:r>
-            <a:r>
-              <a:rPr lang="en-US" sz="1400" dirty="0">
-                <a:latin typeface="Courier New" panose="02070309020205020404" pitchFamily="49" charset="0"/>
-                <a:cs typeface="Courier New" panose="02070309020205020404" pitchFamily="49" charset="0"/>
-              </a:rPr>
-              <a:t>) </a:t>
-            </a:r>
-          </a:p>
-          <a:p>
-            <a:r>
-              <a:rPr lang="en-US" dirty="0">
-                <a:latin typeface="Courier New" panose="02070309020205020404" pitchFamily="49" charset="0"/>
-                <a:cs typeface="Courier New" panose="02070309020205020404" pitchFamily="49" charset="0"/>
-              </a:rPr>
-              <a:t>Booleans</a:t>
-            </a:r>
-            <a:r>
-              <a:rPr lang="en-US" sz="1400" dirty="0">
-                <a:latin typeface="Courier New" panose="02070309020205020404" pitchFamily="49" charset="0"/>
-                <a:cs typeface="Courier New" panose="02070309020205020404" pitchFamily="49" charset="0"/>
-              </a:rPr>
-              <a:t> (</a:t>
-            </a:r>
-            <a:r>
-              <a:rPr lang="en-US" sz="1400" dirty="0">
-                <a:latin typeface="Courier New" panose="02070309020205020404" pitchFamily="49" charset="0"/>
-                <a:cs typeface="Courier New" panose="02070309020205020404" pitchFamily="49" charset="0"/>
-                <a:hlinkClick r:id="rId10"/>
-              </a:rPr>
-              <a:t>https://www.w3schools.com/python/python_booleans.asp</a:t>
-            </a:r>
-            <a:r>
-              <a:rPr lang="en-US" sz="1400" dirty="0">
-                <a:latin typeface="Courier New" panose="02070309020205020404" pitchFamily="49" charset="0"/>
-                <a:cs typeface="Courier New" panose="02070309020205020404" pitchFamily="49" charset="0"/>
-              </a:rPr>
-              <a:t>)</a:t>
-            </a:r>
-          </a:p>
-          <a:p>
-            <a:r>
-              <a:rPr lang="en-US" dirty="0">
-                <a:latin typeface="Courier New" panose="02070309020205020404" pitchFamily="49" charset="0"/>
-                <a:cs typeface="Courier New" panose="02070309020205020404" pitchFamily="49" charset="0"/>
-              </a:rPr>
-              <a:t>Operators</a:t>
-            </a:r>
-            <a:r>
-              <a:rPr lang="en-US" sz="1400" dirty="0">
-                <a:latin typeface="Courier New" panose="02070309020205020404" pitchFamily="49" charset="0"/>
-                <a:cs typeface="Courier New" panose="02070309020205020404" pitchFamily="49" charset="0"/>
-              </a:rPr>
-              <a:t> (</a:t>
-            </a:r>
-            <a:r>
-              <a:rPr lang="en-US" sz="1400" dirty="0">
-                <a:latin typeface="Courier New" panose="02070309020205020404" pitchFamily="49" charset="0"/>
-                <a:cs typeface="Courier New" panose="02070309020205020404" pitchFamily="49" charset="0"/>
-                <a:hlinkClick r:id="rId11"/>
-              </a:rPr>
-              <a:t>https://www.w3schools.com/python/python_operators.asp</a:t>
-            </a:r>
-            <a:r>
-              <a:rPr lang="en-US" sz="1400" dirty="0">
-                <a:latin typeface="Courier New" panose="02070309020205020404" pitchFamily="49" charset="0"/>
-                <a:cs typeface="Courier New" panose="02070309020205020404" pitchFamily="49" charset="0"/>
-              </a:rPr>
-              <a:t>)</a:t>
-            </a:r>
-          </a:p>
-          <a:p>
-            <a:endParaRPr lang="en-US" sz="1400" dirty="0">
-              <a:latin typeface="Courier New" panose="02070309020205020404" pitchFamily="49" charset="0"/>
-              <a:cs typeface="Courier New" panose="02070309020205020404" pitchFamily="49" charset="0"/>
+                <a:solidFill>
+                  <a:schemeClr val="accent1"/>
+                </a:solidFill>
+              </a:rPr>
+              <a:t>Pull request:  </a:t>
+            </a:r>
+            <a:r>
+              <a:rPr lang="en-US" dirty="0"/>
+              <a:t>you are happy with your branch and want the owner of the repository to incorporate your changes back to the original branch.  That is, you “request” the owner to “pull” your changes into the parent branch.  You may be both the developer and the owner of the branch/root.</a:t>
+            </a:r>
+            <a:endParaRPr lang="en-US" dirty="0">
+              <a:solidFill>
+                <a:schemeClr val="accent1"/>
+              </a:solidFill>
             </a:endParaRPr>
           </a:p>
-          <a:p>
-            <a:endParaRPr lang="en-US" sz="1400" dirty="0">
-              <a:latin typeface="Courier New" panose="02070309020205020404" pitchFamily="49" charset="0"/>
-              <a:cs typeface="Courier New" panose="02070309020205020404" pitchFamily="49" charset="0"/>
-            </a:endParaRPr>
-          </a:p>
-          <a:p>
-            <a:endParaRPr lang="en-US" dirty="0">
-              <a:latin typeface="Courier New" panose="02070309020205020404" pitchFamily="49" charset="0"/>
-              <a:cs typeface="Courier New" panose="02070309020205020404" pitchFamily="49" charset="0"/>
-            </a:endParaRPr>
-          </a:p>
-        </p:txBody>
-      </p:sp>
-      <p:sp>
-        <p:nvSpPr>
-          <p:cNvPr id="2" name="Title 1"/>
+        </p:txBody>
+      </p:sp>
+      <p:sp>
+        <p:nvSpPr>
+          <p:cNvPr id="3" name="Title 2">
+            <a:extLst>
+              <a:ext uri="{FF2B5EF4-FFF2-40B4-BE49-F238E27FC236}">
+                <a16:creationId xmlns:a16="http://schemas.microsoft.com/office/drawing/2014/main" id="{CA2178CA-FBDF-7455-9369-F119F0F18F3B}"/>
+              </a:ext>
+            </a:extLst>
+          </p:cNvPr>
           <p:cNvSpPr>
             <a:spLocks noGrp="1"/>
           </p:cNvSpPr>
@@ -5581,16 +4808,26 @@
         <p:spPr>
           <a:xfrm>
             <a:off x="838200" y="365125"/>
-            <a:ext cx="10733690" cy="714813"/>
+            <a:ext cx="10515600" cy="634335"/>
           </a:xfrm>
         </p:spPr>
         <p:txBody>
-          <a:bodyPr/>
+          <a:bodyPr>
+            <a:normAutofit fontScale="90000"/>
+          </a:bodyPr>
           <a:lstStyle/>
           <a:p>
             <a:r>
               <a:rPr lang="en-US" dirty="0"/>
-              <a:t>Let’s go to W3 School (curated)</a:t>
+              <a:t>What is </a:t>
+            </a:r>
+            <a:r>
+              <a:rPr lang="en-US" dirty="0" err="1"/>
+              <a:t>github</a:t>
+            </a:r>
+            <a:r>
+              <a:rPr lang="en-US" dirty="0"/>
+              <a:t>?</a:t>
             </a:r>
           </a:p>
         </p:txBody>
@@ -5598,7 +4835,7 @@
     </p:spTree>
     <p:extLst>
       <p:ext uri="{BB962C8B-B14F-4D97-AF65-F5344CB8AC3E}">
-        <p14:creationId xmlns:p14="http://schemas.microsoft.com/office/powerpoint/2010/main" val="2191362273"/>
+        <p14:creationId xmlns:p14="http://schemas.microsoft.com/office/powerpoint/2010/main" val="2346039755"/>
       </p:ext>
     </p:extLst>
   </p:cSld>
@@ -5627,13 +4864,7 @@
       </p:grpSpPr>
       <p:sp>
         <p:nvSpPr>
-          <p:cNvPr id="2" name="Content Placeholder 1">
-            <a:extLst>
-              <a:ext uri="{FF2B5EF4-FFF2-40B4-BE49-F238E27FC236}">
-                <a16:creationId xmlns:a16="http://schemas.microsoft.com/office/drawing/2014/main" id="{71C92608-ACBC-41D1-8CBF-1DADB5ED1B9C}"/>
-              </a:ext>
-            </a:extLst>
-          </p:cNvPr>
+          <p:cNvPr id="3" name="Content Placeholder 2"/>
           <p:cNvSpPr>
             <a:spLocks noGrp="1"/>
           </p:cNvSpPr>
@@ -5643,97 +4874,371 @@
         </p:nvSpPr>
         <p:spPr>
           <a:xfrm>
-            <a:off x="838200" y="1253359"/>
-            <a:ext cx="10515600" cy="4923604"/>
+            <a:off x="291829" y="1079937"/>
+            <a:ext cx="11517549" cy="5707117"/>
           </a:xfrm>
         </p:spPr>
         <p:txBody>
-          <a:bodyPr/>
+          <a:bodyPr>
+            <a:normAutofit/>
+          </a:bodyPr>
           <a:lstStyle/>
           <a:p>
             <a:r>
-              <a:rPr lang="en-US" dirty="0"/>
-              <a:t>Lists </a:t>
-            </a:r>
-          </a:p>
-          <a:p>
-            <a:pPr lvl="1"/>
-            <a:r>
-              <a:rPr lang="en-US" dirty="0"/>
-              <a:t>Indexing Lists (positive and negative)</a:t>
-            </a:r>
-          </a:p>
-          <a:p>
-            <a:pPr lvl="1"/>
-            <a:r>
-              <a:rPr lang="en-US" dirty="0"/>
-              <a:t>Access, Change, Add, Remove List Items</a:t>
-            </a:r>
-          </a:p>
-          <a:p>
-            <a:pPr lvl="1"/>
-            <a:r>
-              <a:rPr lang="en-US" dirty="0"/>
-              <a:t>List Comprehension</a:t>
-            </a:r>
-          </a:p>
-          <a:p>
-            <a:pPr lvl="1"/>
-            <a:r>
-              <a:rPr lang="en-US" dirty="0"/>
-              <a:t>Sort Lists</a:t>
-            </a:r>
-          </a:p>
-          <a:p>
-            <a:pPr lvl="1"/>
-            <a:r>
-              <a:rPr lang="en-US" dirty="0"/>
-              <a:t>List Exercises</a:t>
-            </a:r>
-          </a:p>
-          <a:p>
-            <a:r>
-              <a:rPr lang="en-US" dirty="0"/>
-              <a:t>Tuples</a:t>
-            </a:r>
-          </a:p>
-          <a:p>
-            <a:pPr lvl="1"/>
-            <a:r>
-              <a:rPr lang="en-US" dirty="0"/>
-              <a:t>Tuple Exercises</a:t>
-            </a:r>
-          </a:p>
-          <a:p>
-            <a:r>
-              <a:rPr lang="en-US" dirty="0"/>
-              <a:t>Dictionaries</a:t>
-            </a:r>
-          </a:p>
-          <a:p>
-            <a:pPr lvl="1"/>
-            <a:r>
-              <a:rPr lang="en-US" dirty="0"/>
-              <a:t>Dictionary Exercises</a:t>
-            </a:r>
-          </a:p>
-          <a:p>
-            <a:pPr marL="0" indent="0">
-              <a:buNone/>
-            </a:pPr>
-            <a:endParaRPr lang="en-US" dirty="0"/>
-          </a:p>
-        </p:txBody>
-      </p:sp>
-      <p:sp>
-        <p:nvSpPr>
-          <p:cNvPr id="3" name="Title 2">
-            <a:extLst>
-              <a:ext uri="{FF2B5EF4-FFF2-40B4-BE49-F238E27FC236}">
-                <a16:creationId xmlns:a16="http://schemas.microsoft.com/office/drawing/2014/main" id="{73AB138C-FA73-482C-8E3D-999735D475E7}"/>
-              </a:ext>
-            </a:extLst>
-          </p:cNvPr>
+              <a:rPr lang="en-US" dirty="0">
+                <a:latin typeface="Courier New" panose="02070309020205020404" pitchFamily="49" charset="0"/>
+                <a:cs typeface="Courier New" panose="02070309020205020404" pitchFamily="49" charset="0"/>
+              </a:rPr>
+              <a:t>Intro</a:t>
+            </a:r>
+            <a:r>
+              <a:rPr lang="en-US" sz="1400" dirty="0">
+                <a:latin typeface="Courier New" panose="02070309020205020404" pitchFamily="49" charset="0"/>
+                <a:cs typeface="Courier New" panose="02070309020205020404" pitchFamily="49" charset="0"/>
+              </a:rPr>
+              <a:t> </a:t>
+            </a:r>
+            <a:r>
+              <a:rPr lang="en-US" sz="1400" dirty="0">
+                <a:solidFill>
+                  <a:srgbClr val="783CBA"/>
+                </a:solidFill>
+                <a:latin typeface="Courier New" panose="02070309020205020404" pitchFamily="49" charset="0"/>
+                <a:cs typeface="Courier New" panose="02070309020205020404" pitchFamily="49" charset="0"/>
+              </a:rPr>
+              <a:t>(</a:t>
+            </a:r>
+            <a:r>
+              <a:rPr lang="en-US" sz="1400" dirty="0">
+                <a:solidFill>
+                  <a:srgbClr val="783CBA"/>
+                </a:solidFill>
+                <a:latin typeface="Courier New" panose="02070309020205020404" pitchFamily="49" charset="0"/>
+                <a:cs typeface="Courier New" panose="02070309020205020404" pitchFamily="49" charset="0"/>
+                <a:hlinkClick r:id="rId2"/>
+              </a:rPr>
+              <a:t>https://www.w3schools.com/python/python_intro.asp</a:t>
+            </a:r>
+            <a:r>
+              <a:rPr lang="en-US" sz="1400" dirty="0">
+                <a:solidFill>
+                  <a:srgbClr val="783CBA"/>
+                </a:solidFill>
+                <a:latin typeface="Courier New" panose="02070309020205020404" pitchFamily="49" charset="0"/>
+                <a:cs typeface="Courier New" panose="02070309020205020404" pitchFamily="49" charset="0"/>
+              </a:rPr>
+              <a:t>) </a:t>
+            </a:r>
+            <a:r>
+              <a:rPr lang="en-US" sz="1400" dirty="0">
+                <a:latin typeface="Courier New" panose="02070309020205020404" pitchFamily="49" charset="0"/>
+                <a:cs typeface="Courier New" panose="02070309020205020404" pitchFamily="49" charset="0"/>
+              </a:rPr>
+              <a:t>#skip, mostly</a:t>
+            </a:r>
+          </a:p>
+          <a:p>
+            <a:r>
+              <a:rPr lang="en-US" dirty="0">
+                <a:latin typeface="Courier New" panose="02070309020205020404" pitchFamily="49" charset="0"/>
+                <a:cs typeface="Courier New" panose="02070309020205020404" pitchFamily="49" charset="0"/>
+              </a:rPr>
+              <a:t>Syntax </a:t>
+            </a:r>
+            <a:r>
+              <a:rPr lang="en-US" sz="1400" dirty="0">
+                <a:latin typeface="Courier New" panose="02070309020205020404" pitchFamily="49" charset="0"/>
+                <a:cs typeface="Courier New" panose="02070309020205020404" pitchFamily="49" charset="0"/>
+              </a:rPr>
+              <a:t>(</a:t>
+            </a:r>
+            <a:r>
+              <a:rPr lang="en-US" sz="1400" dirty="0">
+                <a:latin typeface="Courier New" panose="02070309020205020404" pitchFamily="49" charset="0"/>
+                <a:cs typeface="Courier New" panose="02070309020205020404" pitchFamily="49" charset="0"/>
+                <a:hlinkClick r:id="rId3"/>
+              </a:rPr>
+              <a:t>https://www.w3schools.com/python/python_syntax.asp</a:t>
+            </a:r>
+            <a:r>
+              <a:rPr lang="en-US" sz="1400" dirty="0">
+                <a:latin typeface="Courier New" panose="02070309020205020404" pitchFamily="49" charset="0"/>
+                <a:cs typeface="Courier New" panose="02070309020205020404" pitchFamily="49" charset="0"/>
+              </a:rPr>
+              <a:t>) #skip, mostly</a:t>
+            </a:r>
+          </a:p>
+          <a:p>
+            <a:r>
+              <a:rPr lang="en-US" dirty="0">
+                <a:latin typeface="Courier New" panose="02070309020205020404" pitchFamily="49" charset="0"/>
+                <a:cs typeface="Courier New" panose="02070309020205020404" pitchFamily="49" charset="0"/>
+              </a:rPr>
+              <a:t>Comments </a:t>
+            </a:r>
+            <a:r>
+              <a:rPr lang="en-US" sz="1400" dirty="0">
+                <a:latin typeface="Courier New" panose="02070309020205020404" pitchFamily="49" charset="0"/>
+                <a:cs typeface="Courier New" panose="02070309020205020404" pitchFamily="49" charset="0"/>
+              </a:rPr>
+              <a:t>(</a:t>
+            </a:r>
+            <a:r>
+              <a:rPr lang="en-US" sz="1400" dirty="0">
+                <a:latin typeface="Courier New" panose="02070309020205020404" pitchFamily="49" charset="0"/>
+                <a:cs typeface="Courier New" panose="02070309020205020404" pitchFamily="49" charset="0"/>
+                <a:hlinkClick r:id="rId4"/>
+              </a:rPr>
+              <a:t>https://www.w3schools.com/python/python_comments.asp</a:t>
+            </a:r>
+            <a:r>
+              <a:rPr lang="en-US" sz="1400" dirty="0">
+                <a:latin typeface="Courier New" panose="02070309020205020404" pitchFamily="49" charset="0"/>
+                <a:cs typeface="Courier New" panose="02070309020205020404" pitchFamily="49" charset="0"/>
+              </a:rPr>
+              <a:t>)</a:t>
+            </a:r>
+          </a:p>
+          <a:p>
+            <a:r>
+              <a:rPr lang="en-US" dirty="0">
+                <a:latin typeface="Courier New" panose="02070309020205020404" pitchFamily="49" charset="0"/>
+                <a:cs typeface="Courier New" panose="02070309020205020404" pitchFamily="49" charset="0"/>
+              </a:rPr>
+              <a:t>Variables </a:t>
+            </a:r>
+            <a:r>
+              <a:rPr lang="en-US" sz="1400" dirty="0">
+                <a:latin typeface="Courier New" panose="02070309020205020404" pitchFamily="49" charset="0"/>
+                <a:cs typeface="Courier New" panose="02070309020205020404" pitchFamily="49" charset="0"/>
+              </a:rPr>
+              <a:t>(</a:t>
+            </a:r>
+            <a:r>
+              <a:rPr lang="en-US" sz="1400" dirty="0">
+                <a:latin typeface="Courier New" panose="02070309020205020404" pitchFamily="49" charset="0"/>
+                <a:cs typeface="Courier New" panose="02070309020205020404" pitchFamily="49" charset="0"/>
+                <a:hlinkClick r:id="rId5"/>
+              </a:rPr>
+              <a:t>https://www.w3schools.com/python/python_variables.asp</a:t>
+            </a:r>
+            <a:r>
+              <a:rPr lang="en-US" sz="1400" dirty="0">
+                <a:latin typeface="Courier New" panose="02070309020205020404" pitchFamily="49" charset="0"/>
+                <a:cs typeface="Courier New" panose="02070309020205020404" pitchFamily="49" charset="0"/>
+              </a:rPr>
+              <a:t>)</a:t>
+            </a:r>
+          </a:p>
+          <a:p>
+            <a:r>
+              <a:rPr lang="en-US" dirty="0">
+                <a:latin typeface="Courier New" panose="02070309020205020404" pitchFamily="49" charset="0"/>
+                <a:cs typeface="Courier New" panose="02070309020205020404" pitchFamily="49" charset="0"/>
+              </a:rPr>
+              <a:t>Data Types </a:t>
+            </a:r>
+            <a:r>
+              <a:rPr lang="en-US" sz="1400" dirty="0">
+                <a:latin typeface="Courier New" panose="02070309020205020404" pitchFamily="49" charset="0"/>
+                <a:cs typeface="Courier New" panose="02070309020205020404" pitchFamily="49" charset="0"/>
+              </a:rPr>
+              <a:t>(</a:t>
+            </a:r>
+            <a:r>
+              <a:rPr lang="en-US" sz="1400" dirty="0">
+                <a:latin typeface="Courier New" panose="02070309020205020404" pitchFamily="49" charset="0"/>
+                <a:cs typeface="Courier New" panose="02070309020205020404" pitchFamily="49" charset="0"/>
+                <a:hlinkClick r:id="rId6"/>
+              </a:rPr>
+              <a:t>https://www.w3schools.com/python/python_datatypes.asp</a:t>
+            </a:r>
+            <a:r>
+              <a:rPr lang="en-US" sz="1400" dirty="0">
+                <a:latin typeface="Courier New" panose="02070309020205020404" pitchFamily="49" charset="0"/>
+                <a:cs typeface="Courier New" panose="02070309020205020404" pitchFamily="49" charset="0"/>
+              </a:rPr>
+              <a:t>) #brief</a:t>
+            </a:r>
+          </a:p>
+          <a:p>
+            <a:r>
+              <a:rPr lang="en-US" dirty="0">
+                <a:latin typeface="Courier New" panose="02070309020205020404" pitchFamily="49" charset="0"/>
+                <a:cs typeface="Courier New" panose="02070309020205020404" pitchFamily="49" charset="0"/>
+              </a:rPr>
+              <a:t>Numbers </a:t>
+            </a:r>
+            <a:r>
+              <a:rPr lang="en-US" sz="1400" dirty="0">
+                <a:latin typeface="Courier New" panose="02070309020205020404" pitchFamily="49" charset="0"/>
+                <a:cs typeface="Courier New" panose="02070309020205020404" pitchFamily="49" charset="0"/>
+              </a:rPr>
+              <a:t>(</a:t>
+            </a:r>
+            <a:r>
+              <a:rPr lang="en-US" sz="1400" dirty="0">
+                <a:latin typeface="Courier New" panose="02070309020205020404" pitchFamily="49" charset="0"/>
+                <a:cs typeface="Courier New" panose="02070309020205020404" pitchFamily="49" charset="0"/>
+                <a:hlinkClick r:id="rId7"/>
+              </a:rPr>
+              <a:t>https://www.w3schools.com/python/python_numbers.asp</a:t>
+            </a:r>
+            <a:r>
+              <a:rPr lang="en-US" sz="1400" dirty="0">
+                <a:latin typeface="Courier New" panose="02070309020205020404" pitchFamily="49" charset="0"/>
+                <a:cs typeface="Courier New" panose="02070309020205020404" pitchFamily="49" charset="0"/>
+              </a:rPr>
+              <a:t>) #brief</a:t>
+            </a:r>
+          </a:p>
+          <a:p>
+            <a:r>
+              <a:rPr lang="en-US" dirty="0">
+                <a:latin typeface="Courier New" panose="02070309020205020404" pitchFamily="49" charset="0"/>
+                <a:cs typeface="Courier New" panose="02070309020205020404" pitchFamily="49" charset="0"/>
+              </a:rPr>
+              <a:t>Casting </a:t>
+            </a:r>
+            <a:r>
+              <a:rPr lang="en-US" sz="1400" dirty="0">
+                <a:latin typeface="Courier New" panose="02070309020205020404" pitchFamily="49" charset="0"/>
+                <a:cs typeface="Courier New" panose="02070309020205020404" pitchFamily="49" charset="0"/>
+              </a:rPr>
+              <a:t>(</a:t>
+            </a:r>
+            <a:r>
+              <a:rPr lang="en-US" sz="1400" dirty="0">
+                <a:latin typeface="Courier New" panose="02070309020205020404" pitchFamily="49" charset="0"/>
+                <a:cs typeface="Courier New" panose="02070309020205020404" pitchFamily="49" charset="0"/>
+                <a:hlinkClick r:id="rId8"/>
+              </a:rPr>
+              <a:t>https://www.w3schools.com/python/python_casting.asp</a:t>
+            </a:r>
+            <a:r>
+              <a:rPr lang="en-US" sz="1400" dirty="0">
+                <a:latin typeface="Courier New" panose="02070309020205020404" pitchFamily="49" charset="0"/>
+                <a:cs typeface="Courier New" panose="02070309020205020404" pitchFamily="49" charset="0"/>
+              </a:rPr>
+              <a:t>) #brief</a:t>
+            </a:r>
+          </a:p>
+          <a:p>
+            <a:r>
+              <a:rPr lang="en-US" dirty="0">
+                <a:latin typeface="Courier New" panose="02070309020205020404" pitchFamily="49" charset="0"/>
+                <a:cs typeface="Courier New" panose="02070309020205020404" pitchFamily="49" charset="0"/>
+              </a:rPr>
+              <a:t>Strings</a:t>
+            </a:r>
+            <a:r>
+              <a:rPr lang="en-US" sz="1400" dirty="0">
+                <a:latin typeface="Courier New" panose="02070309020205020404" pitchFamily="49" charset="0"/>
+                <a:cs typeface="Courier New" panose="02070309020205020404" pitchFamily="49" charset="0"/>
+              </a:rPr>
+              <a:t>(</a:t>
+            </a:r>
+            <a:r>
+              <a:rPr lang="en-US" sz="1400" dirty="0">
+                <a:latin typeface="Courier New" panose="02070309020205020404" pitchFamily="49" charset="0"/>
+                <a:cs typeface="Courier New" panose="02070309020205020404" pitchFamily="49" charset="0"/>
+                <a:hlinkClick r:id="rId9"/>
+              </a:rPr>
+              <a:t>https://www.w3schools.com/python/python_strings.asp</a:t>
+            </a:r>
+            <a:r>
+              <a:rPr lang="en-US" sz="1400" dirty="0">
+                <a:latin typeface="Courier New" panose="02070309020205020404" pitchFamily="49" charset="0"/>
+                <a:cs typeface="Courier New" panose="02070309020205020404" pitchFamily="49" charset="0"/>
+              </a:rPr>
+              <a:t>) </a:t>
+            </a:r>
+          </a:p>
+          <a:p>
+            <a:r>
+              <a:rPr lang="en-US" dirty="0">
+                <a:latin typeface="Courier New" panose="02070309020205020404" pitchFamily="49" charset="0"/>
+                <a:cs typeface="Courier New" panose="02070309020205020404" pitchFamily="49" charset="0"/>
+              </a:rPr>
+              <a:t>Booleans</a:t>
+            </a:r>
+            <a:r>
+              <a:rPr lang="en-US" sz="1400" dirty="0">
+                <a:latin typeface="Courier New" panose="02070309020205020404" pitchFamily="49" charset="0"/>
+                <a:cs typeface="Courier New" panose="02070309020205020404" pitchFamily="49" charset="0"/>
+              </a:rPr>
+              <a:t> (</a:t>
+            </a:r>
+            <a:r>
+              <a:rPr lang="en-US" sz="1400" dirty="0">
+                <a:latin typeface="Courier New" panose="02070309020205020404" pitchFamily="49" charset="0"/>
+                <a:cs typeface="Courier New" panose="02070309020205020404" pitchFamily="49" charset="0"/>
+                <a:hlinkClick r:id="rId10"/>
+              </a:rPr>
+              <a:t>https://www.w3schools.com/python/python_booleans.asp</a:t>
+            </a:r>
+            <a:r>
+              <a:rPr lang="en-US" sz="1400" dirty="0">
+                <a:latin typeface="Courier New" panose="02070309020205020404" pitchFamily="49" charset="0"/>
+                <a:cs typeface="Courier New" panose="02070309020205020404" pitchFamily="49" charset="0"/>
+              </a:rPr>
+              <a:t>)</a:t>
+            </a:r>
+          </a:p>
+          <a:p>
+            <a:r>
+              <a:rPr lang="en-US" dirty="0">
+                <a:latin typeface="Courier New" panose="02070309020205020404" pitchFamily="49" charset="0"/>
+                <a:cs typeface="Courier New" panose="02070309020205020404" pitchFamily="49" charset="0"/>
+              </a:rPr>
+              <a:t>Operators</a:t>
+            </a:r>
+            <a:r>
+              <a:rPr lang="en-US" sz="1400" dirty="0">
+                <a:latin typeface="Courier New" panose="02070309020205020404" pitchFamily="49" charset="0"/>
+                <a:cs typeface="Courier New" panose="02070309020205020404" pitchFamily="49" charset="0"/>
+              </a:rPr>
+              <a:t> (</a:t>
+            </a:r>
+            <a:r>
+              <a:rPr lang="en-US" sz="1400" dirty="0">
+                <a:latin typeface="Courier New" panose="02070309020205020404" pitchFamily="49" charset="0"/>
+                <a:cs typeface="Courier New" panose="02070309020205020404" pitchFamily="49" charset="0"/>
+                <a:hlinkClick r:id="rId11"/>
+              </a:rPr>
+              <a:t>https://www.w3schools.com/python/python_operators.asp</a:t>
+            </a:r>
+            <a:r>
+              <a:rPr lang="en-US" sz="1400" dirty="0">
+                <a:latin typeface="Courier New" panose="02070309020205020404" pitchFamily="49" charset="0"/>
+                <a:cs typeface="Courier New" panose="02070309020205020404" pitchFamily="49" charset="0"/>
+              </a:rPr>
+              <a:t>)</a:t>
+            </a:r>
+          </a:p>
+          <a:p>
+            <a:endParaRPr lang="en-US" sz="1400" dirty="0">
+              <a:latin typeface="Courier New" panose="02070309020205020404" pitchFamily="49" charset="0"/>
+              <a:cs typeface="Courier New" panose="02070309020205020404" pitchFamily="49" charset="0"/>
+            </a:endParaRPr>
+          </a:p>
+          <a:p>
+            <a:endParaRPr lang="en-US" sz="1400" dirty="0">
+              <a:latin typeface="Courier New" panose="02070309020205020404" pitchFamily="49" charset="0"/>
+              <a:cs typeface="Courier New" panose="02070309020205020404" pitchFamily="49" charset="0"/>
+            </a:endParaRPr>
+          </a:p>
+          <a:p>
+            <a:endParaRPr lang="en-US" dirty="0">
+              <a:latin typeface="Courier New" panose="02070309020205020404" pitchFamily="49" charset="0"/>
+              <a:cs typeface="Courier New" panose="02070309020205020404" pitchFamily="49" charset="0"/>
+            </a:endParaRPr>
+          </a:p>
+        </p:txBody>
+      </p:sp>
+      <p:sp>
+        <p:nvSpPr>
+          <p:cNvPr id="2" name="Title 1"/>
           <p:cNvSpPr>
             <a:spLocks noGrp="1"/>
           </p:cNvSpPr>
@@ -5744,7 +5249,7 @@
         <p:spPr>
           <a:xfrm>
             <a:off x="838200" y="365125"/>
-            <a:ext cx="10515600" cy="943413"/>
+            <a:ext cx="10733690" cy="714813"/>
           </a:xfrm>
         </p:spPr>
         <p:txBody>
@@ -5753,7 +5258,7 @@
           <a:p>
             <a:r>
               <a:rPr lang="en-US" dirty="0"/>
-              <a:t>More W3 School</a:t>
+              <a:t>Let’s go to W3 School (curated)</a:t>
             </a:r>
           </a:p>
         </p:txBody>
@@ -5761,7 +5266,7 @@
     </p:spTree>
     <p:extLst>
       <p:ext uri="{BB962C8B-B14F-4D97-AF65-F5344CB8AC3E}">
-        <p14:creationId xmlns:p14="http://schemas.microsoft.com/office/powerpoint/2010/main" val="368511399"/>
+        <p14:creationId xmlns:p14="http://schemas.microsoft.com/office/powerpoint/2010/main" val="2191362273"/>
       </p:ext>
     </p:extLst>
   </p:cSld>
@@ -5811,98 +5316,80 @@
           </a:xfrm>
         </p:spPr>
         <p:txBody>
-          <a:bodyPr>
-            <a:normAutofit fontScale="92500" lnSpcReduction="10000"/>
-          </a:bodyPr>
+          <a:bodyPr/>
           <a:lstStyle/>
           <a:p>
             <a:r>
               <a:rPr lang="en-US" dirty="0"/>
-              <a:t>if…else </a:t>
+              <a:t>Lists </a:t>
             </a:r>
           </a:p>
           <a:p>
             <a:pPr lvl="1"/>
             <a:r>
-              <a:rPr lang="en-US" dirty="0" err="1"/>
-              <a:t>elif</a:t>
-            </a:r>
+              <a:rPr lang="en-US" dirty="0"/>
+              <a:t>Indexing Lists (positive and negative)</a:t>
+            </a:r>
+          </a:p>
+          <a:p>
+            <a:pPr lvl="1"/>
+            <a:r>
+              <a:rPr lang="en-US" dirty="0"/>
+              <a:t>Access, Change, Add, Remove List Items</a:t>
+            </a:r>
+          </a:p>
+          <a:p>
+            <a:pPr lvl="1"/>
+            <a:r>
+              <a:rPr lang="en-US" dirty="0"/>
+              <a:t>List Comprehension</a:t>
+            </a:r>
+          </a:p>
+          <a:p>
+            <a:pPr lvl="1"/>
+            <a:r>
+              <a:rPr lang="en-US" dirty="0"/>
+              <a:t>Sort Lists</a:t>
+            </a:r>
+          </a:p>
+          <a:p>
+            <a:pPr lvl="1"/>
+            <a:r>
+              <a:rPr lang="en-US" dirty="0"/>
+              <a:t>List Exercises</a:t>
+            </a:r>
+          </a:p>
+          <a:p>
+            <a:r>
+              <a:rPr lang="en-US" dirty="0"/>
+              <a:t>Tuples</a:t>
+            </a:r>
+          </a:p>
+          <a:p>
+            <a:pPr lvl="1"/>
+            <a:r>
+              <a:rPr lang="en-US" dirty="0"/>
+              <a:t>Tuple Exercises</a:t>
+            </a:r>
+          </a:p>
+          <a:p>
+            <a:r>
+              <a:rPr lang="en-US" dirty="0"/>
+              <a:t>Dictionaries</a:t>
+            </a:r>
+          </a:p>
+          <a:p>
+            <a:pPr lvl="1"/>
+            <a:r>
+              <a:rPr lang="en-US" dirty="0"/>
+              <a:t>Dictionary Exercises</a:t>
+            </a:r>
+          </a:p>
+          <a:p>
+            <a:pPr marL="0" indent="0">
+              <a:buNone/>
+            </a:pPr>
             <a:endParaRPr lang="en-US" dirty="0"/>
-          </a:p>
-          <a:p>
-            <a:pPr lvl="1"/>
-            <a:r>
-              <a:rPr lang="en-US" dirty="0"/>
-              <a:t>ternary operator</a:t>
-            </a:r>
-          </a:p>
-          <a:p>
-            <a:pPr lvl="1"/>
-            <a:r>
-              <a:rPr lang="en-US" dirty="0"/>
-              <a:t>and, or</a:t>
-            </a:r>
-          </a:p>
-          <a:p>
-            <a:r>
-              <a:rPr lang="en-US" dirty="0"/>
-              <a:t>Loops</a:t>
-            </a:r>
-          </a:p>
-          <a:p>
-            <a:pPr lvl="1"/>
-            <a:r>
-              <a:rPr lang="en-US" dirty="0"/>
-              <a:t>while</a:t>
-            </a:r>
-          </a:p>
-          <a:p>
-            <a:pPr lvl="1"/>
-            <a:r>
-              <a:rPr lang="en-US" dirty="0"/>
-              <a:t>get out early (break)</a:t>
-            </a:r>
-          </a:p>
-          <a:p>
-            <a:pPr lvl="1"/>
-            <a:r>
-              <a:rPr lang="en-US" dirty="0"/>
-              <a:t>for</a:t>
-            </a:r>
-          </a:p>
-          <a:p>
-            <a:pPr lvl="1"/>
-            <a:r>
-              <a:rPr lang="en-US" dirty="0"/>
-              <a:t>range</a:t>
-            </a:r>
-          </a:p>
-          <a:p>
-            <a:r>
-              <a:rPr lang="en-US" dirty="0"/>
-              <a:t>Functions</a:t>
-            </a:r>
-          </a:p>
-          <a:p>
-            <a:pPr lvl="1"/>
-            <a:r>
-              <a:rPr lang="en-US" dirty="0"/>
-              <a:t>Creating/calling</a:t>
-            </a:r>
-          </a:p>
-          <a:p>
-            <a:pPr lvl="1"/>
-            <a:r>
-              <a:rPr lang="en-US" dirty="0"/>
-              <a:t>Arguments</a:t>
-            </a:r>
-          </a:p>
-          <a:p>
-            <a:pPr lvl="1"/>
-            <a:r>
-              <a:rPr lang="en-US" dirty="0"/>
-              <a:t>Lambda</a:t>
-            </a:r>
           </a:p>
         </p:txBody>
       </p:sp>
@@ -5942,6 +5429,187 @@
     </p:spTree>
     <p:extLst>
       <p:ext uri="{BB962C8B-B14F-4D97-AF65-F5344CB8AC3E}">
+        <p14:creationId xmlns:p14="http://schemas.microsoft.com/office/powerpoint/2010/main" val="368511399"/>
+      </p:ext>
+    </p:extLst>
+  </p:cSld>
+  <p:clrMapOvr>
+    <a:masterClrMapping/>
+  </p:clrMapOvr>
+</p:sld>
+</file>
+
+<file path=ppt/slides/slide18.xml><?xml version="1.0" encoding="utf-8"?>
+<p:sld xmlns:a="http://schemas.openxmlformats.org/drawingml/2006/main" xmlns:r="http://schemas.openxmlformats.org/officeDocument/2006/relationships" xmlns:p="http://schemas.openxmlformats.org/presentationml/2006/main">
+  <p:cSld>
+    <p:spTree>
+      <p:nvGrpSpPr>
+        <p:cNvPr id="1" name=""/>
+        <p:cNvGrpSpPr/>
+        <p:nvPr/>
+      </p:nvGrpSpPr>
+      <p:grpSpPr>
+        <a:xfrm>
+          <a:off x="0" y="0"/>
+          <a:ext cx="0" cy="0"/>
+          <a:chOff x="0" y="0"/>
+          <a:chExt cx="0" cy="0"/>
+        </a:xfrm>
+      </p:grpSpPr>
+      <p:sp>
+        <p:nvSpPr>
+          <p:cNvPr id="2" name="Content Placeholder 1">
+            <a:extLst>
+              <a:ext uri="{FF2B5EF4-FFF2-40B4-BE49-F238E27FC236}">
+                <a16:creationId xmlns:a16="http://schemas.microsoft.com/office/drawing/2014/main" id="{71C92608-ACBC-41D1-8CBF-1DADB5ED1B9C}"/>
+              </a:ext>
+            </a:extLst>
+          </p:cNvPr>
+          <p:cNvSpPr>
+            <a:spLocks noGrp="1"/>
+          </p:cNvSpPr>
+          <p:nvPr>
+            <p:ph idx="1"/>
+          </p:nvPr>
+        </p:nvSpPr>
+        <p:spPr>
+          <a:xfrm>
+            <a:off x="838200" y="1253359"/>
+            <a:ext cx="10515600" cy="4923604"/>
+          </a:xfrm>
+        </p:spPr>
+        <p:txBody>
+          <a:bodyPr>
+            <a:normAutofit fontScale="92500" lnSpcReduction="10000"/>
+          </a:bodyPr>
+          <a:lstStyle/>
+          <a:p>
+            <a:r>
+              <a:rPr lang="en-US" dirty="0"/>
+              <a:t>if…else </a:t>
+            </a:r>
+          </a:p>
+          <a:p>
+            <a:pPr lvl="1"/>
+            <a:r>
+              <a:rPr lang="en-US" dirty="0" err="1"/>
+              <a:t>elif</a:t>
+            </a:r>
+            <a:endParaRPr lang="en-US" dirty="0"/>
+          </a:p>
+          <a:p>
+            <a:pPr lvl="1"/>
+            <a:r>
+              <a:rPr lang="en-US" dirty="0"/>
+              <a:t>ternary operator</a:t>
+            </a:r>
+          </a:p>
+          <a:p>
+            <a:pPr lvl="1"/>
+            <a:r>
+              <a:rPr lang="en-US" dirty="0"/>
+              <a:t>and, or</a:t>
+            </a:r>
+          </a:p>
+          <a:p>
+            <a:r>
+              <a:rPr lang="en-US" dirty="0"/>
+              <a:t>Loops</a:t>
+            </a:r>
+          </a:p>
+          <a:p>
+            <a:pPr lvl="1"/>
+            <a:r>
+              <a:rPr lang="en-US" dirty="0"/>
+              <a:t>while</a:t>
+            </a:r>
+          </a:p>
+          <a:p>
+            <a:pPr lvl="1"/>
+            <a:r>
+              <a:rPr lang="en-US" dirty="0"/>
+              <a:t>get out early (break)</a:t>
+            </a:r>
+          </a:p>
+          <a:p>
+            <a:pPr lvl="1"/>
+            <a:r>
+              <a:rPr lang="en-US" dirty="0"/>
+              <a:t>for</a:t>
+            </a:r>
+          </a:p>
+          <a:p>
+            <a:pPr lvl="1"/>
+            <a:r>
+              <a:rPr lang="en-US" dirty="0"/>
+              <a:t>range</a:t>
+            </a:r>
+          </a:p>
+          <a:p>
+            <a:r>
+              <a:rPr lang="en-US" dirty="0"/>
+              <a:t>Functions</a:t>
+            </a:r>
+          </a:p>
+          <a:p>
+            <a:pPr lvl="1"/>
+            <a:r>
+              <a:rPr lang="en-US" dirty="0"/>
+              <a:t>Creating/calling</a:t>
+            </a:r>
+          </a:p>
+          <a:p>
+            <a:pPr lvl="1"/>
+            <a:r>
+              <a:rPr lang="en-US" dirty="0"/>
+              <a:t>Arguments</a:t>
+            </a:r>
+          </a:p>
+          <a:p>
+            <a:pPr lvl="1"/>
+            <a:r>
+              <a:rPr lang="en-US" dirty="0"/>
+              <a:t>Lambda</a:t>
+            </a:r>
+          </a:p>
+        </p:txBody>
+      </p:sp>
+      <p:sp>
+        <p:nvSpPr>
+          <p:cNvPr id="3" name="Title 2">
+            <a:extLst>
+              <a:ext uri="{FF2B5EF4-FFF2-40B4-BE49-F238E27FC236}">
+                <a16:creationId xmlns:a16="http://schemas.microsoft.com/office/drawing/2014/main" id="{73AB138C-FA73-482C-8E3D-999735D475E7}"/>
+              </a:ext>
+            </a:extLst>
+          </p:cNvPr>
+          <p:cNvSpPr>
+            <a:spLocks noGrp="1"/>
+          </p:cNvSpPr>
+          <p:nvPr>
+            <p:ph type="title"/>
+          </p:nvPr>
+        </p:nvSpPr>
+        <p:spPr>
+          <a:xfrm>
+            <a:off x="838200" y="365125"/>
+            <a:ext cx="10515600" cy="943413"/>
+          </a:xfrm>
+        </p:spPr>
+        <p:txBody>
+          <a:bodyPr/>
+          <a:lstStyle/>
+          <a:p>
+            <a:r>
+              <a:rPr lang="en-US" dirty="0"/>
+              <a:t>More W3 School</a:t>
+            </a:r>
+          </a:p>
+        </p:txBody>
+      </p:sp>
+    </p:spTree>
+    <p:extLst>
+      <p:ext uri="{BB962C8B-B14F-4D97-AF65-F5344CB8AC3E}">
         <p14:creationId xmlns:p14="http://schemas.microsoft.com/office/powerpoint/2010/main" val="4262160908"/>
       </p:ext>
     </p:extLst>
@@ -5952,7 +5620,7 @@
 </p:sld>
 </file>
 
-<file path=ppt/slides/slide18.xml><?xml version="1.0" encoding="utf-8"?>
+<file path=ppt/slides/slide19.xml><?xml version="1.0" encoding="utf-8"?>
 <p:sld xmlns:a="http://schemas.openxmlformats.org/drawingml/2006/main" xmlns:r="http://schemas.openxmlformats.org/officeDocument/2006/relationships" xmlns:p="http://schemas.openxmlformats.org/presentationml/2006/main">
   <p:cSld>
     <p:spTree>
@@ -8549,13 +8217,13 @@
         </p:nvSpPr>
         <p:spPr>
           <a:xfrm>
-            <a:off x="759373" y="1021584"/>
-            <a:ext cx="10515600" cy="4351338"/>
+            <a:off x="759373" y="1021583"/>
+            <a:ext cx="10515600" cy="5432379"/>
           </a:xfrm>
         </p:spPr>
         <p:txBody>
           <a:bodyPr>
-            <a:normAutofit fontScale="85000" lnSpcReduction="10000"/>
+            <a:normAutofit fontScale="85000" lnSpcReduction="20000"/>
           </a:bodyPr>
           <a:lstStyle/>
           <a:p>
@@ -8597,7 +8265,7 @@
             </a:r>
             <a:r>
               <a:rPr lang="en-US" dirty="0"/>
-              <a:t> copy large amounts of code (more than about 5 lines) from other, non-student sources and paste them into your file, modify them and submit them as your own work.  </a:t>
+              <a:t> copy large amounts of code (more than about 5 lines) from other, non-student sources and paste them into your file, modify them and submit them as your own work**.  </a:t>
             </a:r>
             <a:r>
               <a:rPr lang="en-US" i="1" dirty="0"/>
@@ -8642,6 +8310,15 @@
             <a:r>
               <a:rPr lang="en-US" dirty="0"/>
               <a:t>  Reusable code from open source projects, etc. are great tools, but this course is about learning to be self-sufficient so that you will become a useful contributor to group projects.”</a:t>
+            </a:r>
+          </a:p>
+          <a:p>
+            <a:endParaRPr lang="en-US" dirty="0"/>
+          </a:p>
+          <a:p>
+            <a:r>
+              <a:rPr lang="en-US" dirty="0"/>
+              <a:t>**The caveat here is that you may use bots such as ChatGPT to help you write code.  Just not what part of the code was written with ChatGPT using comments.</a:t>
             </a:r>
           </a:p>
           <a:p>
@@ -9243,7 +8920,7 @@
         </p:spPr>
         <p:txBody>
           <a:bodyPr>
-            <a:normAutofit fontScale="92500" lnSpcReduction="20000"/>
+            <a:normAutofit fontScale="77500" lnSpcReduction="20000"/>
           </a:bodyPr>
           <a:lstStyle/>
           <a:p>
@@ -9271,6 +8948,14 @@
               <a:rPr lang="en-US" dirty="0"/>
               <a:t> short-term memory for fast calculation (where your programs do most of their work)</a:t>
             </a:r>
+            <a:r>
+              <a:rPr lang="en-US" dirty="0">
+                <a:solidFill>
+                  <a:srgbClr val="FFFF00"/>
+                </a:solidFill>
+              </a:rPr>
+              <a:t>$$$$</a:t>
+            </a:r>
           </a:p>
           <a:p>
             <a:r>
@@ -9283,7 +8968,15 @@
             </a:r>
             <a:r>
               <a:rPr lang="en-US" dirty="0"/>
-              <a:t>long-term storage of data</a:t>
+              <a:t>long-term storage of data </a:t>
+            </a:r>
+            <a:r>
+              <a:rPr lang="en-US" dirty="0">
+                <a:solidFill>
+                  <a:srgbClr val="FFFF00"/>
+                </a:solidFill>
+              </a:rPr>
+              <a:t>$$</a:t>
             </a:r>
           </a:p>
           <a:p>
@@ -9293,25 +8986,107 @@
                   <a:schemeClr val="accent1"/>
                 </a:solidFill>
               </a:rPr>
-              <a:t>CPU:</a:t>
-            </a:r>
-            <a:r>
-              <a:rPr lang="en-US" dirty="0"/>
-              <a:t>  the hardware that does math</a:t>
-            </a:r>
-          </a:p>
-          <a:p>
+              <a:t>Cloud:  </a:t>
+            </a:r>
+            <a:r>
+              <a:rPr lang="en-US" dirty="0"/>
+              <a:t>long-term storage of data </a:t>
+            </a:r>
+            <a:r>
+              <a:rPr lang="en-US" dirty="0">
+                <a:solidFill>
+                  <a:srgbClr val="FFFF00"/>
+                </a:solidFill>
+              </a:rPr>
+              <a:t>$</a:t>
+            </a:r>
+          </a:p>
+          <a:p>
+            <a:r>
+              <a:rPr lang="en-US" dirty="0" err="1">
+                <a:solidFill>
+                  <a:schemeClr val="accent1"/>
+                </a:solidFill>
+              </a:rPr>
+              <a:t>github</a:t>
+            </a:r>
             <a:r>
               <a:rPr lang="en-US" dirty="0">
                 <a:solidFill>
                   <a:schemeClr val="accent1"/>
                 </a:solidFill>
               </a:rPr>
-              <a:t>Program:  </a:t>
-            </a:r>
-            <a:r>
-              <a:rPr lang="en-US" dirty="0"/>
-              <a:t>the software that makes computers useful (Office, SolidWorks, </a:t>
+              <a:t>:  </a:t>
+            </a:r>
+            <a:r>
+              <a:rPr lang="en-US" dirty="0"/>
+              <a:t>long-term storage of data and version control </a:t>
+            </a:r>
+            <a:r>
+              <a:rPr lang="en-US" dirty="0">
+                <a:solidFill>
+                  <a:srgbClr val="FFFF00"/>
+                </a:solidFill>
+              </a:rPr>
+              <a:t>$</a:t>
+            </a:r>
+          </a:p>
+          <a:p>
+            <a:r>
+              <a:rPr lang="en-US" dirty="0">
+                <a:solidFill>
+                  <a:schemeClr val="accent1"/>
+                </a:solidFill>
+              </a:rPr>
+              <a:t>CPU:</a:t>
+            </a:r>
+            <a:r>
+              <a:rPr lang="en-US" dirty="0"/>
+              <a:t>  the hardware that does math </a:t>
+            </a:r>
+            <a:r>
+              <a:rPr lang="en-US" dirty="0">
+                <a:solidFill>
+                  <a:srgbClr val="FFFF00"/>
+                </a:solidFill>
+              </a:rPr>
+              <a:t>$$$</a:t>
+            </a:r>
+          </a:p>
+          <a:p>
+            <a:r>
+              <a:rPr lang="en-US" dirty="0">
+                <a:solidFill>
+                  <a:schemeClr val="accent1"/>
+                </a:solidFill>
+              </a:rPr>
+              <a:t>GPU:  </a:t>
+            </a:r>
+            <a:r>
+              <a:rPr lang="en-US" dirty="0"/>
+              <a:t>special processor for very fast calculations. </a:t>
+            </a:r>
+            <a:r>
+              <a:rPr lang="en-US" dirty="0">
+                <a:solidFill>
+                  <a:srgbClr val="FFFF00"/>
+                </a:solidFill>
+              </a:rPr>
+              <a:t>$$$$</a:t>
+            </a:r>
+          </a:p>
+          <a:p>
+            <a:r>
+              <a:rPr lang="en-US" dirty="0">
+                <a:solidFill>
+                  <a:schemeClr val="accent1"/>
+                </a:solidFill>
+              </a:rPr>
+              <a:t>Program/software:  </a:t>
+            </a:r>
+            <a:r>
+              <a:rPr lang="en-US" dirty="0"/>
+              <a:t>the part that makes computers useful (Office, SolidWorks, </a:t>
             </a:r>
             <a:r>
               <a:rPr lang="en-US" dirty="0" err="1"/>
@@ -9781,6 +9556,153 @@
                       </p:childTnLst>
                     </p:cTn>
                   </p:par>
+                  <p:par>
+                    <p:cTn id="35" fill="hold">
+                      <p:stCondLst>
+                        <p:cond delay="indefinite"/>
+                      </p:stCondLst>
+                      <p:childTnLst>
+                        <p:par>
+                          <p:cTn id="36" fill="hold">
+                            <p:stCondLst>
+                              <p:cond delay="0"/>
+                            </p:stCondLst>
+                            <p:childTnLst>
+                              <p:par>
+                                <p:cTn id="37" presetID="1" presetClass="entr" presetSubtype="0" fill="hold" grpId="0" nodeType="clickEffect">
+                                  <p:stCondLst>
+                                    <p:cond delay="0"/>
+                                  </p:stCondLst>
+                                  <p:childTnLst>
+                                    <p:set>
+                                      <p:cBhvr>
+                                        <p:cTn id="38" dur="1" fill="hold">
+                                          <p:stCondLst>
+                                            <p:cond delay="0"/>
+                                          </p:stCondLst>
+                                        </p:cTn>
+                                        <p:tgtEl>
+                                          <p:spTgt spid="2">
+                                            <p:txEl>
+                                              <p:pRg st="8" end="8"/>
+                                            </p:txEl>
+                                          </p:spTgt>
+                                        </p:tgtEl>
+                                        <p:attrNameLst>
+                                          <p:attrName>style.visibility</p:attrName>
+                                        </p:attrNameLst>
+                                      </p:cBhvr>
+                                      <p:to>
+                                        <p:strVal val="visible"/>
+                                      </p:to>
+                                    </p:set>
+                                  </p:childTnLst>
+                                </p:cTn>
+                              </p:par>
+                            </p:childTnLst>
+                          </p:cTn>
+                        </p:par>
+                      </p:childTnLst>
+                    </p:cTn>
+                  </p:par>
+                  <p:par>
+                    <p:cTn id="39" fill="hold">
+                      <p:stCondLst>
+                        <p:cond delay="indefinite"/>
+                      </p:stCondLst>
+                      <p:childTnLst>
+                        <p:par>
+                          <p:cTn id="40" fill="hold">
+                            <p:stCondLst>
+                              <p:cond delay="0"/>
+                            </p:stCondLst>
+                            <p:childTnLst>
+                              <p:par>
+                                <p:cTn id="41" presetID="1" presetClass="entr" presetSubtype="0" fill="hold" grpId="0" nodeType="clickEffect">
+                                  <p:stCondLst>
+                                    <p:cond delay="0"/>
+                                  </p:stCondLst>
+                                  <p:childTnLst>
+                                    <p:set>
+                                      <p:cBhvr>
+                                        <p:cTn id="42" dur="1" fill="hold">
+                                          <p:stCondLst>
+                                            <p:cond delay="0"/>
+                                          </p:stCondLst>
+                                        </p:cTn>
+                                        <p:tgtEl>
+                                          <p:spTgt spid="2">
+                                            <p:txEl>
+                                              <p:pRg st="9" end="9"/>
+                                            </p:txEl>
+                                          </p:spTgt>
+                                        </p:tgtEl>
+                                        <p:attrNameLst>
+                                          <p:attrName>style.visibility</p:attrName>
+                                        </p:attrNameLst>
+                                      </p:cBhvr>
+                                      <p:to>
+                                        <p:strVal val="visible"/>
+                                      </p:to>
+                                    </p:set>
+                                  </p:childTnLst>
+                                </p:cTn>
+                              </p:par>
+                            </p:childTnLst>
+                          </p:cTn>
+                        </p:par>
+                      </p:childTnLst>
+                    </p:cTn>
+                  </p:par>
+                  <p:par>
+                    <p:cTn id="43" fill="hold">
+                      <p:stCondLst>
+                        <p:cond delay="indefinite"/>
+                      </p:stCondLst>
+                      <p:childTnLst>
+                        <p:par>
+                          <p:cTn id="44" fill="hold">
+                            <p:stCondLst>
+                              <p:cond delay="0"/>
+                            </p:stCondLst>
+                            <p:childTnLst>
+                              <p:par>
+                                <p:cTn id="45" presetID="1" presetClass="entr" presetSubtype="0" fill="hold" grpId="0" nodeType="clickEffect">
+                                  <p:stCondLst>
+                                    <p:cond delay="0"/>
+                                  </p:stCondLst>
+                                  <p:childTnLst>
+                                    <p:set>
+                                      <p:cBhvr>
+                                        <p:cTn id="46" dur="1" fill="hold">
+                                          <p:stCondLst>
+                                            <p:cond delay="0"/>
+                                          </p:stCondLst>
+                                        </p:cTn>
+                                        <p:tgtEl>
+                                          <p:spTgt spid="2">
+                                            <p:txEl>
+                                              <p:pRg st="10" end="10"/>
+                                            </p:txEl>
+                                          </p:spTgt>
+                                        </p:tgtEl>
+                                        <p:attrNameLst>
+                                          <p:attrName>style.visibility</p:attrName>
+                                        </p:attrNameLst>
+                                      </p:cBhvr>
+                                      <p:to>
+                                        <p:strVal val="visible"/>
+                                      </p:to>
+                                    </p:set>
+                                  </p:childTnLst>
+                                </p:cTn>
+                              </p:par>
+                            </p:childTnLst>
+                          </p:cTn>
+                        </p:par>
+                      </p:childTnLst>
+                    </p:cTn>
+                  </p:par>
                 </p:childTnLst>
               </p:cTn>
               <p:prevCondLst>
